--- a/FluxoCustoMinimo/slides e texto/Apresentacao.pptx
+++ b/FluxoCustoMinimo/slides e texto/Apresentacao.pptx
@@ -6,7 +6,7 @@
     <p:sldMasterId id="2147483815" r:id="rId2"/>
   </p:sldMasterIdLst>
   <p:notesMasterIdLst>
-    <p:notesMasterId r:id="rId10"/>
+    <p:notesMasterId r:id="rId19"/>
   </p:notesMasterIdLst>
   <p:sldIdLst>
     <p:sldId id="256" r:id="rId3"/>
@@ -16,6 +16,15 @@
     <p:sldId id="260" r:id="rId7"/>
     <p:sldId id="261" r:id="rId8"/>
     <p:sldId id="262" r:id="rId9"/>
+    <p:sldId id="263" r:id="rId10"/>
+    <p:sldId id="264" r:id="rId11"/>
+    <p:sldId id="265" r:id="rId12"/>
+    <p:sldId id="266" r:id="rId13"/>
+    <p:sldId id="267" r:id="rId14"/>
+    <p:sldId id="268" r:id="rId15"/>
+    <p:sldId id="269" r:id="rId16"/>
+    <p:sldId id="270" r:id="rId17"/>
+    <p:sldId id="271" r:id="rId18"/>
   </p:sldIdLst>
   <p:sldSz cx="12192000" cy="6858000"/>
   <p:notesSz cx="6858000" cy="9144000"/>
@@ -114,6 +123,14 @@
       </a:defRPr>
     </a:lvl9pPr>
   </p:defaultTextStyle>
+  <p:extLst>
+    <p:ext uri="{EFAFB233-063F-42B5-8137-9DF3F51BA10A}">
+      <p15:sldGuideLst xmlns:p15="http://schemas.microsoft.com/office/powerpoint/2012/main"/>
+    </p:ext>
+    <p:ext uri="{2D200454-40CA-4A62-9FC3-DE9A4176ACB9}">
+      <p15:notesGuideLst xmlns:p15="http://schemas.microsoft.com/office/powerpoint/2012/main"/>
+    </p:ext>
+  </p:extLst>
 </p:presentation>
 </file>
 
@@ -199,7 +216,7 @@
           <a:p>
             <a:fld id="{597A9C32-70CE-4546-BAB2-000E203249D4}" type="datetimeFigureOut">
               <a:rPr lang="pt-BR" smtClean="0"/>
-              <a:t>25/06/2019</a:t>
+              <a:t>28/06/2019</a:t>
             </a:fld>
             <a:endParaRPr lang="pt-BR"/>
           </a:p>
@@ -692,7 +709,7 @@
           <a:p>
             <a:fld id="{207BBCD2-246A-4B45-A7A8-EF476F40A67E}" type="datetimeFigureOut">
               <a:rPr lang="pt-BR" smtClean="0"/>
-              <a:t>25/06/2019</a:t>
+              <a:t>28/06/2019</a:t>
             </a:fld>
             <a:endParaRPr lang="pt-BR"/>
           </a:p>
@@ -862,7 +879,7 @@
           <a:p>
             <a:fld id="{207BBCD2-246A-4B45-A7A8-EF476F40A67E}" type="datetimeFigureOut">
               <a:rPr lang="pt-BR" smtClean="0"/>
-              <a:t>25/06/2019</a:t>
+              <a:t>28/06/2019</a:t>
             </a:fld>
             <a:endParaRPr lang="pt-BR"/>
           </a:p>
@@ -1042,7 +1059,7 @@
           <a:p>
             <a:fld id="{207BBCD2-246A-4B45-A7A8-EF476F40A67E}" type="datetimeFigureOut">
               <a:rPr lang="pt-BR" smtClean="0"/>
-              <a:t>25/06/2019</a:t>
+              <a:t>28/06/2019</a:t>
             </a:fld>
             <a:endParaRPr lang="pt-BR"/>
           </a:p>
@@ -1242,7 +1259,7 @@
           <a:p>
             <a:fld id="{207BBCD2-246A-4B45-A7A8-EF476F40A67E}" type="datetimeFigureOut">
               <a:rPr lang="pt-BR" smtClean="0"/>
-              <a:t>25/06/2019</a:t>
+              <a:t>28/06/2019</a:t>
             </a:fld>
             <a:endParaRPr lang="pt-BR"/>
           </a:p>
@@ -1453,7 +1470,7 @@
           <a:p>
             <a:fld id="{207BBCD2-246A-4B45-A7A8-EF476F40A67E}" type="datetimeFigureOut">
               <a:rPr lang="pt-BR" smtClean="0"/>
-              <a:t>25/06/2019</a:t>
+              <a:t>28/06/2019</a:t>
             </a:fld>
             <a:endParaRPr lang="pt-BR"/>
           </a:p>
@@ -1732,7 +1749,7 @@
           <a:p>
             <a:fld id="{207BBCD2-246A-4B45-A7A8-EF476F40A67E}" type="datetimeFigureOut">
               <a:rPr lang="pt-BR" smtClean="0"/>
-              <a:t>25/06/2019</a:t>
+              <a:t>28/06/2019</a:t>
             </a:fld>
             <a:endParaRPr lang="pt-BR"/>
           </a:p>
@@ -2000,7 +2017,7 @@
           <a:p>
             <a:fld id="{207BBCD2-246A-4B45-A7A8-EF476F40A67E}" type="datetimeFigureOut">
               <a:rPr lang="pt-BR" smtClean="0"/>
-              <a:t>25/06/2019</a:t>
+              <a:t>28/06/2019</a:t>
             </a:fld>
             <a:endParaRPr lang="pt-BR"/>
           </a:p>
@@ -2416,7 +2433,7 @@
           <a:p>
             <a:fld id="{207BBCD2-246A-4B45-A7A8-EF476F40A67E}" type="datetimeFigureOut">
               <a:rPr lang="pt-BR" smtClean="0"/>
-              <a:t>25/06/2019</a:t>
+              <a:t>28/06/2019</a:t>
             </a:fld>
             <a:endParaRPr lang="pt-BR"/>
           </a:p>
@@ -2565,7 +2582,7 @@
           <a:p>
             <a:fld id="{207BBCD2-246A-4B45-A7A8-EF476F40A67E}" type="datetimeFigureOut">
               <a:rPr lang="pt-BR" smtClean="0"/>
-              <a:t>25/06/2019</a:t>
+              <a:t>28/06/2019</a:t>
             </a:fld>
             <a:endParaRPr lang="pt-BR"/>
           </a:p>
@@ -2691,7 +2708,7 @@
           <a:p>
             <a:fld id="{207BBCD2-246A-4B45-A7A8-EF476F40A67E}" type="datetimeFigureOut">
               <a:rPr lang="pt-BR" smtClean="0"/>
-              <a:t>25/06/2019</a:t>
+              <a:t>28/06/2019</a:t>
             </a:fld>
             <a:endParaRPr lang="pt-BR"/>
           </a:p>
@@ -2942,7 +2959,7 @@
           <a:p>
             <a:fld id="{207BBCD2-246A-4B45-A7A8-EF476F40A67E}" type="datetimeFigureOut">
               <a:rPr lang="pt-BR" smtClean="0"/>
-              <a:t>25/06/2019</a:t>
+              <a:t>28/06/2019</a:t>
             </a:fld>
             <a:endParaRPr lang="pt-BR"/>
           </a:p>
@@ -3143,7 +3160,7 @@
           <a:p>
             <a:fld id="{207BBCD2-246A-4B45-A7A8-EF476F40A67E}" type="datetimeFigureOut">
               <a:rPr lang="pt-BR" smtClean="0"/>
-              <a:t>25/06/2019</a:t>
+              <a:t>28/06/2019</a:t>
             </a:fld>
             <a:endParaRPr lang="pt-BR"/>
           </a:p>
@@ -3557,7 +3574,7 @@
           <a:p>
             <a:fld id="{207BBCD2-246A-4B45-A7A8-EF476F40A67E}" type="datetimeFigureOut">
               <a:rPr lang="pt-BR" smtClean="0"/>
-              <a:t>25/06/2019</a:t>
+              <a:t>28/06/2019</a:t>
             </a:fld>
             <a:endParaRPr lang="pt-BR"/>
           </a:p>
@@ -3763,7 +3780,7 @@
           <a:p>
             <a:fld id="{207BBCD2-246A-4B45-A7A8-EF476F40A67E}" type="datetimeFigureOut">
               <a:rPr lang="pt-BR" smtClean="0"/>
-              <a:t>25/06/2019</a:t>
+              <a:t>28/06/2019</a:t>
             </a:fld>
             <a:endParaRPr lang="pt-BR"/>
           </a:p>
@@ -3978,7 +3995,7 @@
           <a:p>
             <a:fld id="{207BBCD2-246A-4B45-A7A8-EF476F40A67E}" type="datetimeFigureOut">
               <a:rPr lang="pt-BR" smtClean="0"/>
-              <a:t>25/06/2019</a:t>
+              <a:t>28/06/2019</a:t>
             </a:fld>
             <a:endParaRPr lang="pt-BR"/>
           </a:p>
@@ -4260,7 +4277,7 @@
           <a:p>
             <a:fld id="{207BBCD2-246A-4B45-A7A8-EF476F40A67E}" type="datetimeFigureOut">
               <a:rPr lang="pt-BR" smtClean="0"/>
-              <a:t>25/06/2019</a:t>
+              <a:t>28/06/2019</a:t>
             </a:fld>
             <a:endParaRPr lang="pt-BR"/>
           </a:p>
@@ -4492,7 +4509,7 @@
           <a:p>
             <a:fld id="{207BBCD2-246A-4B45-A7A8-EF476F40A67E}" type="datetimeFigureOut">
               <a:rPr lang="pt-BR" smtClean="0"/>
-              <a:t>25/06/2019</a:t>
+              <a:t>28/06/2019</a:t>
             </a:fld>
             <a:endParaRPr lang="pt-BR"/>
           </a:p>
@@ -4839,7 +4856,7 @@
           <a:p>
             <a:fld id="{207BBCD2-246A-4B45-A7A8-EF476F40A67E}" type="datetimeFigureOut">
               <a:rPr lang="pt-BR" smtClean="0"/>
-              <a:t>25/06/2019</a:t>
+              <a:t>28/06/2019</a:t>
             </a:fld>
             <a:endParaRPr lang="pt-BR"/>
           </a:p>
@@ -4957,7 +4974,7 @@
           <a:p>
             <a:fld id="{207BBCD2-246A-4B45-A7A8-EF476F40A67E}" type="datetimeFigureOut">
               <a:rPr lang="pt-BR" smtClean="0"/>
-              <a:t>25/06/2019</a:t>
+              <a:t>28/06/2019</a:t>
             </a:fld>
             <a:endParaRPr lang="pt-BR"/>
           </a:p>
@@ -5075,7 +5092,7 @@
           <a:p>
             <a:fld id="{207BBCD2-246A-4B45-A7A8-EF476F40A67E}" type="datetimeFigureOut">
               <a:rPr lang="pt-BR" smtClean="0"/>
-              <a:t>25/06/2019</a:t>
+              <a:t>28/06/2019</a:t>
             </a:fld>
             <a:endParaRPr lang="pt-BR"/>
           </a:p>
@@ -5359,7 +5376,7 @@
           <a:p>
             <a:fld id="{207BBCD2-246A-4B45-A7A8-EF476F40A67E}" type="datetimeFigureOut">
               <a:rPr lang="pt-BR" smtClean="0"/>
-              <a:t>25/06/2019</a:t>
+              <a:t>28/06/2019</a:t>
             </a:fld>
             <a:endParaRPr lang="pt-BR"/>
           </a:p>
@@ -5623,7 +5640,7 @@
           <a:p>
             <a:fld id="{207BBCD2-246A-4B45-A7A8-EF476F40A67E}" type="datetimeFigureOut">
               <a:rPr lang="pt-BR" smtClean="0"/>
-              <a:t>25/06/2019</a:t>
+              <a:t>28/06/2019</a:t>
             </a:fld>
             <a:endParaRPr lang="pt-BR"/>
           </a:p>
@@ -5837,7 +5854,7 @@
           <a:p>
             <a:fld id="{207BBCD2-246A-4B45-A7A8-EF476F40A67E}" type="datetimeFigureOut">
               <a:rPr lang="pt-BR" smtClean="0"/>
-              <a:t>25/06/2019</a:t>
+              <a:t>28/06/2019</a:t>
             </a:fld>
             <a:endParaRPr lang="pt-BR"/>
           </a:p>
@@ -6443,7 +6460,7 @@
           <a:p>
             <a:fld id="{207BBCD2-246A-4B45-A7A8-EF476F40A67E}" type="datetimeFigureOut">
               <a:rPr lang="pt-BR" smtClean="0"/>
-              <a:t>25/06/2019</a:t>
+              <a:t>28/06/2019</a:t>
             </a:fld>
             <a:endParaRPr lang="pt-BR"/>
           </a:p>
@@ -7021,6 +7038,1257 @@
 </p:sld>
 </file>
 
+<file path=ppt/slides/slide10.xml><?xml version="1.0" encoding="utf-8"?>
+<p:sld xmlns:a="http://schemas.openxmlformats.org/drawingml/2006/main" xmlns:r="http://schemas.openxmlformats.org/officeDocument/2006/relationships" xmlns:p="http://schemas.openxmlformats.org/presentationml/2006/main">
+  <p:cSld>
+    <p:spTree>
+      <p:nvGrpSpPr>
+        <p:cNvPr id="1" name=""/>
+        <p:cNvGrpSpPr/>
+        <p:nvPr/>
+      </p:nvGrpSpPr>
+      <p:grpSpPr>
+        <a:xfrm>
+          <a:off x="0" y="0"/>
+          <a:ext cx="0" cy="0"/>
+          <a:chOff x="0" y="0"/>
+          <a:chExt cx="0" cy="0"/>
+        </a:xfrm>
+      </p:grpSpPr>
+      <p:sp>
+        <p:nvSpPr>
+          <p:cNvPr id="2" name="Título 1">
+            <a:extLst>
+              <a:ext uri="{FF2B5EF4-FFF2-40B4-BE49-F238E27FC236}">
+                <a16:creationId xmlns:a16="http://schemas.microsoft.com/office/drawing/2014/main" id="{84B94C6B-EDC7-4DBB-97AB-AE41EE20E9DA}"/>
+              </a:ext>
+            </a:extLst>
+          </p:cNvPr>
+          <p:cNvSpPr>
+            <a:spLocks noGrp="1"/>
+          </p:cNvSpPr>
+          <p:nvPr>
+            <p:ph type="title"/>
+          </p:nvPr>
+        </p:nvSpPr>
+        <p:spPr/>
+        <p:txBody>
+          <a:bodyPr/>
+          <a:lstStyle/>
+          <a:p>
+            <a:r>
+              <a:rPr lang="pt-BR" dirty="0"/>
+              <a:t>Busca caminho mínimo:</a:t>
+            </a:r>
+          </a:p>
+        </p:txBody>
+      </p:sp>
+      <p:sp>
+        <p:nvSpPr>
+          <p:cNvPr id="3" name="Espaço Reservado para Conteúdo 2">
+            <a:extLst>
+              <a:ext uri="{FF2B5EF4-FFF2-40B4-BE49-F238E27FC236}">
+                <a16:creationId xmlns:a16="http://schemas.microsoft.com/office/drawing/2014/main" id="{F33A64C9-3E88-41CC-9ADE-094357E350B9}"/>
+              </a:ext>
+            </a:extLst>
+          </p:cNvPr>
+          <p:cNvSpPr>
+            <a:spLocks noGrp="1"/>
+          </p:cNvSpPr>
+          <p:nvPr>
+            <p:ph idx="1"/>
+          </p:nvPr>
+        </p:nvSpPr>
+        <p:spPr>
+          <a:xfrm>
+            <a:off x="534573" y="2015732"/>
+            <a:ext cx="4965896" cy="3450613"/>
+          </a:xfrm>
+        </p:spPr>
+        <p:txBody>
+          <a:bodyPr>
+            <a:normAutofit fontScale="92500" lnSpcReduction="20000"/>
+          </a:bodyPr>
+          <a:lstStyle/>
+          <a:p>
+            <a:r>
+              <a:rPr lang="pt-BR" dirty="0">
+                <a:latin typeface="Arial" panose="020B0604020202020204" pitchFamily="34" charset="0"/>
+                <a:cs typeface="Arial" panose="020B0604020202020204" pitchFamily="34" charset="0"/>
+              </a:rPr>
+              <a:t>Estado Atual: Grafo Residual</a:t>
+            </a:r>
+          </a:p>
+          <a:p>
+            <a:r>
+              <a:rPr lang="pt-BR" dirty="0" err="1">
+                <a:latin typeface="Arial" panose="020B0604020202020204" pitchFamily="34" charset="0"/>
+                <a:cs typeface="Arial" panose="020B0604020202020204" pitchFamily="34" charset="0"/>
+              </a:rPr>
+              <a:t>fluxo_maximo</a:t>
+            </a:r>
+            <a:r>
+              <a:rPr lang="pt-BR" dirty="0">
+                <a:latin typeface="Arial" panose="020B0604020202020204" pitchFamily="34" charset="0"/>
+                <a:cs typeface="Arial" panose="020B0604020202020204" pitchFamily="34" charset="0"/>
+              </a:rPr>
+              <a:t> = 0</a:t>
+            </a:r>
+          </a:p>
+          <a:p>
+            <a:r>
+              <a:rPr lang="pt-BR" dirty="0" err="1">
+                <a:latin typeface="Arial" panose="020B0604020202020204" pitchFamily="34" charset="0"/>
+                <a:cs typeface="Arial" panose="020B0604020202020204" pitchFamily="34" charset="0"/>
+              </a:rPr>
+              <a:t>fluxo_caminho</a:t>
+            </a:r>
+            <a:r>
+              <a:rPr lang="pt-BR" dirty="0">
+                <a:latin typeface="Arial" panose="020B0604020202020204" pitchFamily="34" charset="0"/>
+                <a:cs typeface="Arial" panose="020B0604020202020204" pitchFamily="34" charset="0"/>
+              </a:rPr>
+              <a:t> = 7</a:t>
+            </a:r>
+          </a:p>
+          <a:p>
+            <a:r>
+              <a:rPr lang="pt-BR" dirty="0">
+                <a:latin typeface="Arial" panose="020B0604020202020204" pitchFamily="34" charset="0"/>
+                <a:cs typeface="Arial" panose="020B0604020202020204" pitchFamily="34" charset="0"/>
+              </a:rPr>
+              <a:t>π = [-1,0,0,0,1,1,2,6]</a:t>
+            </a:r>
+          </a:p>
+          <a:p>
+            <a:endParaRPr lang="pt-BR" dirty="0">
+              <a:latin typeface="Arial" panose="020B0604020202020204" pitchFamily="34" charset="0"/>
+              <a:cs typeface="Arial" panose="020B0604020202020204" pitchFamily="34" charset="0"/>
+            </a:endParaRPr>
+          </a:p>
+          <a:p>
+            <a:endParaRPr lang="pt-BR" dirty="0">
+              <a:latin typeface="Arial" panose="020B0604020202020204" pitchFamily="34" charset="0"/>
+              <a:cs typeface="Arial" panose="020B0604020202020204" pitchFamily="34" charset="0"/>
+            </a:endParaRPr>
+          </a:p>
+          <a:p>
+            <a:pPr marL="0" indent="0">
+              <a:buNone/>
+            </a:pPr>
+            <a:endParaRPr lang="pt-BR" dirty="0">
+              <a:latin typeface="Arial" panose="020B0604020202020204" pitchFamily="34" charset="0"/>
+              <a:cs typeface="Arial" panose="020B0604020202020204" pitchFamily="34" charset="0"/>
+            </a:endParaRPr>
+          </a:p>
+          <a:p>
+            <a:r>
+              <a:rPr lang="pt-BR" dirty="0" err="1">
+                <a:latin typeface="Arial" panose="020B0604020202020204" pitchFamily="34" charset="0"/>
+                <a:cs typeface="Arial" panose="020B0604020202020204" pitchFamily="34" charset="0"/>
+              </a:rPr>
+              <a:t>Obs</a:t>
+            </a:r>
+            <a:r>
+              <a:rPr lang="pt-BR" dirty="0">
+                <a:latin typeface="Arial" panose="020B0604020202020204" pitchFamily="34" charset="0"/>
+                <a:cs typeface="Arial" panose="020B0604020202020204" pitchFamily="34" charset="0"/>
+              </a:rPr>
+              <a:t>: </a:t>
+            </a:r>
+            <a:r>
+              <a:rPr lang="pt-BR" dirty="0" err="1">
+                <a:latin typeface="Arial" panose="020B0604020202020204" pitchFamily="34" charset="0"/>
+                <a:cs typeface="Arial" panose="020B0604020202020204" pitchFamily="34" charset="0"/>
+              </a:rPr>
+              <a:t>fc</a:t>
+            </a:r>
+            <a:r>
+              <a:rPr lang="pt-BR" dirty="0">
+                <a:latin typeface="Arial" panose="020B0604020202020204" pitchFamily="34" charset="0"/>
+                <a:cs typeface="Arial" panose="020B0604020202020204" pitchFamily="34" charset="0"/>
+              </a:rPr>
+              <a:t> será capacidade * custo</a:t>
+            </a:r>
+          </a:p>
+          <a:p>
+            <a:endParaRPr lang="pt-BR" dirty="0"/>
+          </a:p>
+        </p:txBody>
+      </p:sp>
+      <p:pic>
+        <p:nvPicPr>
+          <p:cNvPr id="9" name="Imagem 8">
+            <a:extLst>
+              <a:ext uri="{FF2B5EF4-FFF2-40B4-BE49-F238E27FC236}">
+                <a16:creationId xmlns:a16="http://schemas.microsoft.com/office/drawing/2014/main" id="{BF07E3CB-2D52-4D4E-A775-5D71923866E8}"/>
+              </a:ext>
+            </a:extLst>
+          </p:cNvPr>
+          <p:cNvPicPr>
+            <a:picLocks noChangeAspect="1"/>
+          </p:cNvPicPr>
+          <p:nvPr/>
+        </p:nvPicPr>
+        <p:blipFill>
+          <a:blip r:embed="rId2">
+            <a:extLst>
+              <a:ext uri="{28A0092B-C50C-407E-A947-70E740481C1C}">
+                <a14:useLocalDpi xmlns:a14="http://schemas.microsoft.com/office/drawing/2010/main" val="0"/>
+              </a:ext>
+            </a:extLst>
+          </a:blip>
+          <a:stretch>
+            <a:fillRect/>
+          </a:stretch>
+        </p:blipFill>
+        <p:spPr>
+          <a:xfrm>
+            <a:off x="5753686" y="1853754"/>
+            <a:ext cx="6438314" cy="4237181"/>
+          </a:xfrm>
+          <a:prstGeom prst="rect">
+            <a:avLst/>
+          </a:prstGeom>
+        </p:spPr>
+      </p:pic>
+    </p:spTree>
+    <p:extLst>
+      <p:ext uri="{BB962C8B-B14F-4D97-AF65-F5344CB8AC3E}">
+        <p14:creationId xmlns:p14="http://schemas.microsoft.com/office/powerpoint/2010/main" val="2831780984"/>
+      </p:ext>
+    </p:extLst>
+  </p:cSld>
+  <p:clrMapOvr>
+    <a:masterClrMapping/>
+  </p:clrMapOvr>
+</p:sld>
+</file>
+
+<file path=ppt/slides/slide11.xml><?xml version="1.0" encoding="utf-8"?>
+<p:sld xmlns:a="http://schemas.openxmlformats.org/drawingml/2006/main" xmlns:r="http://schemas.openxmlformats.org/officeDocument/2006/relationships" xmlns:p="http://schemas.openxmlformats.org/presentationml/2006/main">
+  <p:cSld>
+    <p:spTree>
+      <p:nvGrpSpPr>
+        <p:cNvPr id="1" name=""/>
+        <p:cNvGrpSpPr/>
+        <p:nvPr/>
+      </p:nvGrpSpPr>
+      <p:grpSpPr>
+        <a:xfrm>
+          <a:off x="0" y="0"/>
+          <a:ext cx="0" cy="0"/>
+          <a:chOff x="0" y="0"/>
+          <a:chExt cx="0" cy="0"/>
+        </a:xfrm>
+      </p:grpSpPr>
+      <p:sp>
+        <p:nvSpPr>
+          <p:cNvPr id="2" name="Título 1">
+            <a:extLst>
+              <a:ext uri="{FF2B5EF4-FFF2-40B4-BE49-F238E27FC236}">
+                <a16:creationId xmlns:a16="http://schemas.microsoft.com/office/drawing/2014/main" id="{E1F689E6-9E40-482B-914B-0C7607A6E17D}"/>
+              </a:ext>
+            </a:extLst>
+          </p:cNvPr>
+          <p:cNvSpPr>
+            <a:spLocks noGrp="1"/>
+          </p:cNvSpPr>
+          <p:nvPr>
+            <p:ph type="title"/>
+          </p:nvPr>
+        </p:nvSpPr>
+        <p:spPr/>
+        <p:txBody>
+          <a:bodyPr/>
+          <a:lstStyle/>
+          <a:p>
+            <a:r>
+              <a:rPr lang="pt-BR" dirty="0"/>
+              <a:t>Atualizando grafo Residual:</a:t>
+            </a:r>
+          </a:p>
+        </p:txBody>
+      </p:sp>
+      <p:pic>
+        <p:nvPicPr>
+          <p:cNvPr id="5" name="Espaço Reservado para Conteúdo 4">
+            <a:extLst>
+              <a:ext uri="{FF2B5EF4-FFF2-40B4-BE49-F238E27FC236}">
+                <a16:creationId xmlns:a16="http://schemas.microsoft.com/office/drawing/2014/main" id="{E27E9114-6027-45F8-860F-0CD23AAF9738}"/>
+              </a:ext>
+            </a:extLst>
+          </p:cNvPr>
+          <p:cNvPicPr>
+            <a:picLocks noGrp="1" noChangeAspect="1"/>
+          </p:cNvPicPr>
+          <p:nvPr>
+            <p:ph idx="1"/>
+          </p:nvPr>
+        </p:nvPicPr>
+        <p:blipFill>
+          <a:blip r:embed="rId2">
+            <a:extLst>
+              <a:ext uri="{28A0092B-C50C-407E-A947-70E740481C1C}">
+                <a14:useLocalDpi xmlns:a14="http://schemas.microsoft.com/office/drawing/2010/main" val="0"/>
+              </a:ext>
+            </a:extLst>
+          </a:blip>
+          <a:stretch>
+            <a:fillRect/>
+          </a:stretch>
+        </p:blipFill>
+        <p:spPr>
+          <a:xfrm>
+            <a:off x="3013942" y="1943206"/>
+            <a:ext cx="6164116" cy="4199727"/>
+          </a:xfrm>
+        </p:spPr>
+      </p:pic>
+    </p:spTree>
+    <p:extLst>
+      <p:ext uri="{BB962C8B-B14F-4D97-AF65-F5344CB8AC3E}">
+        <p14:creationId xmlns:p14="http://schemas.microsoft.com/office/powerpoint/2010/main" val="1351295609"/>
+      </p:ext>
+    </p:extLst>
+  </p:cSld>
+  <p:clrMapOvr>
+    <a:masterClrMapping/>
+  </p:clrMapOvr>
+</p:sld>
+</file>
+
+<file path=ppt/slides/slide12.xml><?xml version="1.0" encoding="utf-8"?>
+<p:sld xmlns:a="http://schemas.openxmlformats.org/drawingml/2006/main" xmlns:r="http://schemas.openxmlformats.org/officeDocument/2006/relationships" xmlns:p="http://schemas.openxmlformats.org/presentationml/2006/main">
+  <p:cSld>
+    <p:spTree>
+      <p:nvGrpSpPr>
+        <p:cNvPr id="1" name=""/>
+        <p:cNvGrpSpPr/>
+        <p:nvPr/>
+      </p:nvGrpSpPr>
+      <p:grpSpPr>
+        <a:xfrm>
+          <a:off x="0" y="0"/>
+          <a:ext cx="0" cy="0"/>
+          <a:chOff x="0" y="0"/>
+          <a:chExt cx="0" cy="0"/>
+        </a:xfrm>
+      </p:grpSpPr>
+      <p:sp>
+        <p:nvSpPr>
+          <p:cNvPr id="2" name="Título 1">
+            <a:extLst>
+              <a:ext uri="{FF2B5EF4-FFF2-40B4-BE49-F238E27FC236}">
+                <a16:creationId xmlns:a16="http://schemas.microsoft.com/office/drawing/2014/main" id="{75F7B118-C2B8-47FD-85B4-3C96DCC27786}"/>
+              </a:ext>
+            </a:extLst>
+          </p:cNvPr>
+          <p:cNvSpPr>
+            <a:spLocks noGrp="1"/>
+          </p:cNvSpPr>
+          <p:nvPr>
+            <p:ph type="title"/>
+          </p:nvPr>
+        </p:nvSpPr>
+        <p:spPr/>
+        <p:txBody>
+          <a:bodyPr/>
+          <a:lstStyle/>
+          <a:p>
+            <a:r>
+              <a:rPr lang="pt-BR" dirty="0" err="1"/>
+              <a:t>Bu</a:t>
+            </a:r>
+            <a:endParaRPr lang="pt-BR" dirty="0"/>
+          </a:p>
+        </p:txBody>
+      </p:sp>
+      <p:sp>
+        <p:nvSpPr>
+          <p:cNvPr id="4" name="Título 1">
+            <a:extLst>
+              <a:ext uri="{FF2B5EF4-FFF2-40B4-BE49-F238E27FC236}">
+                <a16:creationId xmlns:a16="http://schemas.microsoft.com/office/drawing/2014/main" id="{5A795658-E88D-4E52-8452-BE9B1E2A4B82}"/>
+              </a:ext>
+            </a:extLst>
+          </p:cNvPr>
+          <p:cNvSpPr txBox="1">
+            <a:spLocks/>
+          </p:cNvSpPr>
+          <p:nvPr/>
+        </p:nvSpPr>
+        <p:spPr>
+          <a:xfrm>
+            <a:off x="1451579" y="804519"/>
+            <a:ext cx="9603275" cy="1049235"/>
+          </a:xfrm>
+          <a:prstGeom prst="rect">
+            <a:avLst/>
+          </a:prstGeom>
+        </p:spPr>
+        <p:txBody>
+          <a:bodyPr vert="horz" lIns="91440" tIns="45720" rIns="91440" bIns="45720" rtlCol="0" anchor="t">
+            <a:normAutofit/>
+          </a:bodyPr>
+          <a:lstStyle>
+            <a:lvl1pPr algn="l" defTabSz="914400" rtl="0" eaLnBrk="1" latinLnBrk="0" hangingPunct="1">
+              <a:lnSpc>
+                <a:spcPct val="90000"/>
+              </a:lnSpc>
+              <a:spcBef>
+                <a:spcPct val="0"/>
+              </a:spcBef>
+              <a:buNone/>
+              <a:defRPr sz="3200" b="0" i="0" kern="1200" cap="all">
+                <a:solidFill>
+                  <a:schemeClr val="tx1"/>
+                </a:solidFill>
+                <a:effectLst/>
+                <a:latin typeface="+mj-lt"/>
+                <a:ea typeface="+mj-ea"/>
+                <a:cs typeface="+mj-cs"/>
+              </a:defRPr>
+            </a:lvl1pPr>
+          </a:lstStyle>
+          <a:p>
+            <a:r>
+              <a:rPr lang="pt-BR" dirty="0"/>
+              <a:t>Busca caminho mínimo:</a:t>
+            </a:r>
+          </a:p>
+        </p:txBody>
+      </p:sp>
+      <p:sp>
+        <p:nvSpPr>
+          <p:cNvPr id="5" name="Espaço Reservado para Conteúdo 2">
+            <a:extLst>
+              <a:ext uri="{FF2B5EF4-FFF2-40B4-BE49-F238E27FC236}">
+                <a16:creationId xmlns:a16="http://schemas.microsoft.com/office/drawing/2014/main" id="{427FF856-67E0-4FFB-B693-0FC4225C3E46}"/>
+              </a:ext>
+            </a:extLst>
+          </p:cNvPr>
+          <p:cNvSpPr txBox="1">
+            <a:spLocks/>
+          </p:cNvSpPr>
+          <p:nvPr/>
+        </p:nvSpPr>
+        <p:spPr>
+          <a:xfrm>
+            <a:off x="534573" y="2015732"/>
+            <a:ext cx="4965896" cy="3450613"/>
+          </a:xfrm>
+          <a:prstGeom prst="rect">
+            <a:avLst/>
+          </a:prstGeom>
+        </p:spPr>
+        <p:txBody>
+          <a:bodyPr vert="horz" lIns="91440" tIns="45720" rIns="91440" bIns="45720" rtlCol="0" anchor="t">
+            <a:normAutofit fontScale="92500" lnSpcReduction="20000"/>
+          </a:bodyPr>
+          <a:lstStyle>
+            <a:lvl1pPr marL="228600" indent="-228600" algn="l" defTabSz="914400" rtl="0" eaLnBrk="1" latinLnBrk="0" hangingPunct="1">
+              <a:lnSpc>
+                <a:spcPct val="120000"/>
+              </a:lnSpc>
+              <a:spcBef>
+                <a:spcPts val="1000"/>
+              </a:spcBef>
+              <a:buClr>
+                <a:schemeClr val="accent1"/>
+              </a:buClr>
+              <a:buSzPct val="100000"/>
+              <a:buFont typeface="Arial" panose="020B0604020202020204" pitchFamily="34" charset="0"/>
+              <a:buChar char="•"/>
+              <a:defRPr sz="2000" kern="1200">
+                <a:solidFill>
+                  <a:schemeClr val="tx1"/>
+                </a:solidFill>
+                <a:effectLst/>
+                <a:latin typeface="+mn-lt"/>
+                <a:ea typeface="+mn-ea"/>
+                <a:cs typeface="+mn-cs"/>
+              </a:defRPr>
+            </a:lvl1pPr>
+            <a:lvl2pPr marL="685800" indent="-228600" algn="l" defTabSz="914400" rtl="0" eaLnBrk="1" latinLnBrk="0" hangingPunct="1">
+              <a:lnSpc>
+                <a:spcPct val="120000"/>
+              </a:lnSpc>
+              <a:spcBef>
+                <a:spcPts val="500"/>
+              </a:spcBef>
+              <a:buClr>
+                <a:schemeClr val="accent1"/>
+              </a:buClr>
+              <a:buSzPct val="100000"/>
+              <a:buFont typeface="Arial" panose="020B0604020202020204" pitchFamily="34" charset="0"/>
+              <a:buChar char="•"/>
+              <a:defRPr sz="1800" kern="1200" cap="none" baseline="0">
+                <a:solidFill>
+                  <a:schemeClr val="tx1"/>
+                </a:solidFill>
+                <a:effectLst/>
+                <a:latin typeface="+mn-lt"/>
+                <a:ea typeface="+mn-ea"/>
+                <a:cs typeface="+mn-cs"/>
+              </a:defRPr>
+            </a:lvl2pPr>
+            <a:lvl3pPr marL="1143000" indent="-228600" algn="l" defTabSz="914400" rtl="0" eaLnBrk="1" latinLnBrk="0" hangingPunct="1">
+              <a:lnSpc>
+                <a:spcPct val="120000"/>
+              </a:lnSpc>
+              <a:spcBef>
+                <a:spcPts val="500"/>
+              </a:spcBef>
+              <a:buClr>
+                <a:schemeClr val="accent1"/>
+              </a:buClr>
+              <a:buSzPct val="100000"/>
+              <a:buFont typeface="Arial" panose="020B0604020202020204" pitchFamily="34" charset="0"/>
+              <a:buChar char="•"/>
+              <a:defRPr sz="1600" kern="1200">
+                <a:solidFill>
+                  <a:schemeClr val="tx1"/>
+                </a:solidFill>
+                <a:effectLst/>
+                <a:latin typeface="+mn-lt"/>
+                <a:ea typeface="+mn-ea"/>
+                <a:cs typeface="+mn-cs"/>
+              </a:defRPr>
+            </a:lvl3pPr>
+            <a:lvl4pPr marL="1600200" indent="-228600" algn="l" defTabSz="914400" rtl="0" eaLnBrk="1" latinLnBrk="0" hangingPunct="1">
+              <a:lnSpc>
+                <a:spcPct val="120000"/>
+              </a:lnSpc>
+              <a:spcBef>
+                <a:spcPts val="500"/>
+              </a:spcBef>
+              <a:buClr>
+                <a:schemeClr val="accent1"/>
+              </a:buClr>
+              <a:buSzPct val="100000"/>
+              <a:buFont typeface="Arial" panose="020B0604020202020204" pitchFamily="34" charset="0"/>
+              <a:buChar char="•"/>
+              <a:defRPr sz="1400" kern="1200" cap="none" baseline="0">
+                <a:solidFill>
+                  <a:schemeClr val="tx1"/>
+                </a:solidFill>
+                <a:effectLst/>
+                <a:latin typeface="+mn-lt"/>
+                <a:ea typeface="+mn-ea"/>
+                <a:cs typeface="+mn-cs"/>
+              </a:defRPr>
+            </a:lvl4pPr>
+            <a:lvl5pPr marL="2057400" indent="-228600" algn="l" defTabSz="914400" rtl="0" eaLnBrk="1" latinLnBrk="0" hangingPunct="1">
+              <a:lnSpc>
+                <a:spcPct val="120000"/>
+              </a:lnSpc>
+              <a:spcBef>
+                <a:spcPts val="500"/>
+              </a:spcBef>
+              <a:buClr>
+                <a:schemeClr val="accent1"/>
+              </a:buClr>
+              <a:buSzPct val="100000"/>
+              <a:buFont typeface="Arial" panose="020B0604020202020204" pitchFamily="34" charset="0"/>
+              <a:buChar char="•"/>
+              <a:defRPr sz="1200" kern="1200">
+                <a:solidFill>
+                  <a:schemeClr val="tx1"/>
+                </a:solidFill>
+                <a:effectLst/>
+                <a:latin typeface="+mn-lt"/>
+                <a:ea typeface="+mn-ea"/>
+                <a:cs typeface="+mn-cs"/>
+              </a:defRPr>
+            </a:lvl5pPr>
+            <a:lvl6pPr marL="2514600" indent="-228600" algn="l" defTabSz="914400" rtl="0" eaLnBrk="1" latinLnBrk="0" hangingPunct="1">
+              <a:lnSpc>
+                <a:spcPct val="120000"/>
+              </a:lnSpc>
+              <a:spcBef>
+                <a:spcPts val="500"/>
+              </a:spcBef>
+              <a:buClr>
+                <a:schemeClr val="accent1"/>
+              </a:buClr>
+              <a:buSzPct val="100000"/>
+              <a:buFont typeface="Arial" panose="020B0604020202020204" pitchFamily="34" charset="0"/>
+              <a:buChar char="•"/>
+              <a:defRPr sz="1200" kern="1200">
+                <a:solidFill>
+                  <a:schemeClr val="tx1"/>
+                </a:solidFill>
+                <a:effectLst/>
+                <a:latin typeface="+mn-lt"/>
+                <a:ea typeface="+mn-ea"/>
+                <a:cs typeface="+mn-cs"/>
+              </a:defRPr>
+            </a:lvl6pPr>
+            <a:lvl7pPr marL="2971800" indent="-228600" algn="l" defTabSz="914400" rtl="0" eaLnBrk="1" latinLnBrk="0" hangingPunct="1">
+              <a:lnSpc>
+                <a:spcPct val="120000"/>
+              </a:lnSpc>
+              <a:spcBef>
+                <a:spcPts val="500"/>
+              </a:spcBef>
+              <a:buClr>
+                <a:schemeClr val="accent1"/>
+              </a:buClr>
+              <a:buSzPct val="100000"/>
+              <a:buFont typeface="Arial" panose="020B0604020202020204" pitchFamily="34" charset="0"/>
+              <a:buChar char="•"/>
+              <a:defRPr sz="1200" kern="1200">
+                <a:solidFill>
+                  <a:schemeClr val="tx1"/>
+                </a:solidFill>
+                <a:effectLst/>
+                <a:latin typeface="+mn-lt"/>
+                <a:ea typeface="+mn-ea"/>
+                <a:cs typeface="+mn-cs"/>
+              </a:defRPr>
+            </a:lvl7pPr>
+            <a:lvl8pPr marL="3429000" indent="-228600" algn="l" defTabSz="914400" rtl="0" eaLnBrk="1" latinLnBrk="0" hangingPunct="1">
+              <a:lnSpc>
+                <a:spcPct val="120000"/>
+              </a:lnSpc>
+              <a:spcBef>
+                <a:spcPts val="500"/>
+              </a:spcBef>
+              <a:buClr>
+                <a:schemeClr val="accent1"/>
+              </a:buClr>
+              <a:buSzPct val="100000"/>
+              <a:buFont typeface="Arial" panose="020B0604020202020204" pitchFamily="34" charset="0"/>
+              <a:buChar char="•"/>
+              <a:defRPr sz="1200" kern="1200" baseline="0">
+                <a:solidFill>
+                  <a:schemeClr val="tx1"/>
+                </a:solidFill>
+                <a:effectLst/>
+                <a:latin typeface="+mn-lt"/>
+                <a:ea typeface="+mn-ea"/>
+                <a:cs typeface="+mn-cs"/>
+              </a:defRPr>
+            </a:lvl8pPr>
+            <a:lvl9pPr marL="3886200" indent="-228600" algn="l" defTabSz="914400" rtl="0" eaLnBrk="1" latinLnBrk="0" hangingPunct="1">
+              <a:lnSpc>
+                <a:spcPct val="120000"/>
+              </a:lnSpc>
+              <a:spcBef>
+                <a:spcPts val="500"/>
+              </a:spcBef>
+              <a:buClr>
+                <a:schemeClr val="accent1"/>
+              </a:buClr>
+              <a:buSzPct val="100000"/>
+              <a:buFont typeface="Arial" panose="020B0604020202020204" pitchFamily="34" charset="0"/>
+              <a:buChar char="•"/>
+              <a:defRPr sz="1200" kern="1200" baseline="0">
+                <a:solidFill>
+                  <a:schemeClr val="tx1"/>
+                </a:solidFill>
+                <a:effectLst/>
+                <a:latin typeface="+mn-lt"/>
+                <a:ea typeface="+mn-ea"/>
+                <a:cs typeface="+mn-cs"/>
+              </a:defRPr>
+            </a:lvl9pPr>
+          </a:lstStyle>
+          <a:p>
+            <a:r>
+              <a:rPr lang="pt-BR" dirty="0">
+                <a:latin typeface="Arial" panose="020B0604020202020204" pitchFamily="34" charset="0"/>
+                <a:cs typeface="Arial" panose="020B0604020202020204" pitchFamily="34" charset="0"/>
+              </a:rPr>
+              <a:t>Estado Atual: Grafo Residual</a:t>
+            </a:r>
+          </a:p>
+          <a:p>
+            <a:r>
+              <a:rPr lang="pt-BR" dirty="0" err="1">
+                <a:latin typeface="Arial" panose="020B0604020202020204" pitchFamily="34" charset="0"/>
+                <a:cs typeface="Arial" panose="020B0604020202020204" pitchFamily="34" charset="0"/>
+              </a:rPr>
+              <a:t>fluxo_maximo</a:t>
+            </a:r>
+            <a:r>
+              <a:rPr lang="pt-BR" dirty="0">
+                <a:latin typeface="Arial" panose="020B0604020202020204" pitchFamily="34" charset="0"/>
+                <a:cs typeface="Arial" panose="020B0604020202020204" pitchFamily="34" charset="0"/>
+              </a:rPr>
+              <a:t> = 7</a:t>
+            </a:r>
+          </a:p>
+          <a:p>
+            <a:r>
+              <a:rPr lang="pt-BR" dirty="0" err="1">
+                <a:latin typeface="Arial" panose="020B0604020202020204" pitchFamily="34" charset="0"/>
+                <a:cs typeface="Arial" panose="020B0604020202020204" pitchFamily="34" charset="0"/>
+              </a:rPr>
+              <a:t>fluxo_caminho</a:t>
+            </a:r>
+            <a:r>
+              <a:rPr lang="pt-BR" dirty="0">
+                <a:latin typeface="Arial" panose="020B0604020202020204" pitchFamily="34" charset="0"/>
+                <a:cs typeface="Arial" panose="020B0604020202020204" pitchFamily="34" charset="0"/>
+              </a:rPr>
+              <a:t> = 1</a:t>
+            </a:r>
+          </a:p>
+          <a:p>
+            <a:r>
+              <a:rPr lang="pt-BR" dirty="0">
+                <a:latin typeface="Arial" panose="020B0604020202020204" pitchFamily="34" charset="0"/>
+                <a:cs typeface="Arial" panose="020B0604020202020204" pitchFamily="34" charset="0"/>
+              </a:rPr>
+              <a:t>π = [-1,0,0,0,1,2,3,5]</a:t>
+            </a:r>
+          </a:p>
+          <a:p>
+            <a:endParaRPr lang="pt-BR" dirty="0">
+              <a:latin typeface="Arial" panose="020B0604020202020204" pitchFamily="34" charset="0"/>
+              <a:cs typeface="Arial" panose="020B0604020202020204" pitchFamily="34" charset="0"/>
+            </a:endParaRPr>
+          </a:p>
+          <a:p>
+            <a:endParaRPr lang="pt-BR" dirty="0">
+              <a:latin typeface="Arial" panose="020B0604020202020204" pitchFamily="34" charset="0"/>
+              <a:cs typeface="Arial" panose="020B0604020202020204" pitchFamily="34" charset="0"/>
+            </a:endParaRPr>
+          </a:p>
+          <a:p>
+            <a:pPr marL="0" indent="0">
+              <a:buFont typeface="Arial" panose="020B0604020202020204" pitchFamily="34" charset="0"/>
+              <a:buNone/>
+            </a:pPr>
+            <a:endParaRPr lang="pt-BR" dirty="0">
+              <a:latin typeface="Arial" panose="020B0604020202020204" pitchFamily="34" charset="0"/>
+              <a:cs typeface="Arial" panose="020B0604020202020204" pitchFamily="34" charset="0"/>
+            </a:endParaRPr>
+          </a:p>
+          <a:p>
+            <a:r>
+              <a:rPr lang="pt-BR" dirty="0" err="1">
+                <a:latin typeface="Arial" panose="020B0604020202020204" pitchFamily="34" charset="0"/>
+                <a:cs typeface="Arial" panose="020B0604020202020204" pitchFamily="34" charset="0"/>
+              </a:rPr>
+              <a:t>Obs</a:t>
+            </a:r>
+            <a:r>
+              <a:rPr lang="pt-BR" dirty="0">
+                <a:latin typeface="Arial" panose="020B0604020202020204" pitchFamily="34" charset="0"/>
+                <a:cs typeface="Arial" panose="020B0604020202020204" pitchFamily="34" charset="0"/>
+              </a:rPr>
+              <a:t>: </a:t>
+            </a:r>
+            <a:r>
+              <a:rPr lang="pt-BR" dirty="0" err="1">
+                <a:latin typeface="Arial" panose="020B0604020202020204" pitchFamily="34" charset="0"/>
+                <a:cs typeface="Arial" panose="020B0604020202020204" pitchFamily="34" charset="0"/>
+              </a:rPr>
+              <a:t>fc</a:t>
+            </a:r>
+            <a:r>
+              <a:rPr lang="pt-BR" dirty="0">
+                <a:latin typeface="Arial" panose="020B0604020202020204" pitchFamily="34" charset="0"/>
+                <a:cs typeface="Arial" panose="020B0604020202020204" pitchFamily="34" charset="0"/>
+              </a:rPr>
+              <a:t> será capacidade * custo</a:t>
+            </a:r>
+          </a:p>
+          <a:p>
+            <a:endParaRPr lang="pt-BR" dirty="0"/>
+          </a:p>
+        </p:txBody>
+      </p:sp>
+      <p:pic>
+        <p:nvPicPr>
+          <p:cNvPr id="8" name="Imagem 7">
+            <a:extLst>
+              <a:ext uri="{FF2B5EF4-FFF2-40B4-BE49-F238E27FC236}">
+                <a16:creationId xmlns:a16="http://schemas.microsoft.com/office/drawing/2014/main" id="{02DE6800-2D5D-429D-975F-7E3BB5CFE445}"/>
+              </a:ext>
+            </a:extLst>
+          </p:cNvPr>
+          <p:cNvPicPr>
+            <a:picLocks noChangeAspect="1"/>
+          </p:cNvPicPr>
+          <p:nvPr/>
+        </p:nvPicPr>
+        <p:blipFill>
+          <a:blip r:embed="rId2">
+            <a:extLst>
+              <a:ext uri="{28A0092B-C50C-407E-A947-70E740481C1C}">
+                <a14:useLocalDpi xmlns:a14="http://schemas.microsoft.com/office/drawing/2010/main" val="0"/>
+              </a:ext>
+            </a:extLst>
+          </a:blip>
+          <a:stretch>
+            <a:fillRect/>
+          </a:stretch>
+        </p:blipFill>
+        <p:spPr>
+          <a:xfrm>
+            <a:off x="5627077" y="1853754"/>
+            <a:ext cx="6564923" cy="4256652"/>
+          </a:xfrm>
+          <a:prstGeom prst="rect">
+            <a:avLst/>
+          </a:prstGeom>
+        </p:spPr>
+      </p:pic>
+    </p:spTree>
+    <p:extLst>
+      <p:ext uri="{BB962C8B-B14F-4D97-AF65-F5344CB8AC3E}">
+        <p14:creationId xmlns:p14="http://schemas.microsoft.com/office/powerpoint/2010/main" val="1952557774"/>
+      </p:ext>
+    </p:extLst>
+  </p:cSld>
+  <p:clrMapOvr>
+    <a:masterClrMapping/>
+  </p:clrMapOvr>
+</p:sld>
+</file>
+
+<file path=ppt/slides/slide13.xml><?xml version="1.0" encoding="utf-8"?>
+<p:sld xmlns:a="http://schemas.openxmlformats.org/drawingml/2006/main" xmlns:r="http://schemas.openxmlformats.org/officeDocument/2006/relationships" xmlns:p="http://schemas.openxmlformats.org/presentationml/2006/main">
+  <p:cSld>
+    <p:spTree>
+      <p:nvGrpSpPr>
+        <p:cNvPr id="1" name=""/>
+        <p:cNvGrpSpPr/>
+        <p:nvPr/>
+      </p:nvGrpSpPr>
+      <p:grpSpPr>
+        <a:xfrm>
+          <a:off x="0" y="0"/>
+          <a:ext cx="0" cy="0"/>
+          <a:chOff x="0" y="0"/>
+          <a:chExt cx="0" cy="0"/>
+        </a:xfrm>
+      </p:grpSpPr>
+      <p:sp>
+        <p:nvSpPr>
+          <p:cNvPr id="2" name="Título 1">
+            <a:extLst>
+              <a:ext uri="{FF2B5EF4-FFF2-40B4-BE49-F238E27FC236}">
+                <a16:creationId xmlns:a16="http://schemas.microsoft.com/office/drawing/2014/main" id="{A4E8D62C-768F-416E-8B98-EE43FA649530}"/>
+              </a:ext>
+            </a:extLst>
+          </p:cNvPr>
+          <p:cNvSpPr>
+            <a:spLocks noGrp="1"/>
+          </p:cNvSpPr>
+          <p:nvPr>
+            <p:ph type="title"/>
+          </p:nvPr>
+        </p:nvSpPr>
+        <p:spPr/>
+        <p:txBody>
+          <a:bodyPr/>
+          <a:lstStyle/>
+          <a:p>
+            <a:r>
+              <a:rPr lang="pt-BR" dirty="0"/>
+              <a:t>Grafo Residual Atualizado:</a:t>
+            </a:r>
+          </a:p>
+        </p:txBody>
+      </p:sp>
+      <p:pic>
+        <p:nvPicPr>
+          <p:cNvPr id="5" name="Espaço Reservado para Conteúdo 4">
+            <a:extLst>
+              <a:ext uri="{FF2B5EF4-FFF2-40B4-BE49-F238E27FC236}">
+                <a16:creationId xmlns:a16="http://schemas.microsoft.com/office/drawing/2014/main" id="{0F218622-68B9-42CD-A682-BEFF56969AA6}"/>
+              </a:ext>
+            </a:extLst>
+          </p:cNvPr>
+          <p:cNvPicPr>
+            <a:picLocks noGrp="1" noChangeAspect="1"/>
+          </p:cNvPicPr>
+          <p:nvPr>
+            <p:ph idx="1"/>
+          </p:nvPr>
+        </p:nvPicPr>
+        <p:blipFill>
+          <a:blip r:embed="rId2">
+            <a:extLst>
+              <a:ext uri="{28A0092B-C50C-407E-A947-70E740481C1C}">
+                <a14:useLocalDpi xmlns:a14="http://schemas.microsoft.com/office/drawing/2010/main" val="0"/>
+              </a:ext>
+            </a:extLst>
+          </a:blip>
+          <a:stretch>
+            <a:fillRect/>
+          </a:stretch>
+        </p:blipFill>
+        <p:spPr>
+          <a:xfrm>
+            <a:off x="2644726" y="1853754"/>
+            <a:ext cx="7526215" cy="4204075"/>
+          </a:xfrm>
+        </p:spPr>
+      </p:pic>
+    </p:spTree>
+    <p:extLst>
+      <p:ext uri="{BB962C8B-B14F-4D97-AF65-F5344CB8AC3E}">
+        <p14:creationId xmlns:p14="http://schemas.microsoft.com/office/powerpoint/2010/main" val="972521211"/>
+      </p:ext>
+    </p:extLst>
+  </p:cSld>
+  <p:clrMapOvr>
+    <a:masterClrMapping/>
+  </p:clrMapOvr>
+</p:sld>
+</file>
+
+<file path=ppt/slides/slide14.xml><?xml version="1.0" encoding="utf-8"?>
+<p:sld xmlns:a="http://schemas.openxmlformats.org/drawingml/2006/main" xmlns:r="http://schemas.openxmlformats.org/officeDocument/2006/relationships" xmlns:p="http://schemas.openxmlformats.org/presentationml/2006/main">
+  <p:cSld>
+    <p:spTree>
+      <p:nvGrpSpPr>
+        <p:cNvPr id="1" name=""/>
+        <p:cNvGrpSpPr/>
+        <p:nvPr/>
+      </p:nvGrpSpPr>
+      <p:grpSpPr>
+        <a:xfrm>
+          <a:off x="0" y="0"/>
+          <a:ext cx="0" cy="0"/>
+          <a:chOff x="0" y="0"/>
+          <a:chExt cx="0" cy="0"/>
+        </a:xfrm>
+      </p:grpSpPr>
+      <p:sp>
+        <p:nvSpPr>
+          <p:cNvPr id="2" name="Título 1">
+            <a:extLst>
+              <a:ext uri="{FF2B5EF4-FFF2-40B4-BE49-F238E27FC236}">
+                <a16:creationId xmlns:a16="http://schemas.microsoft.com/office/drawing/2014/main" id="{A774E26B-37AF-4A9C-A4C9-B10F7F7204AC}"/>
+              </a:ext>
+            </a:extLst>
+          </p:cNvPr>
+          <p:cNvSpPr>
+            <a:spLocks noGrp="1"/>
+          </p:cNvSpPr>
+          <p:nvPr>
+            <p:ph type="title"/>
+          </p:nvPr>
+        </p:nvSpPr>
+        <p:spPr/>
+        <p:txBody>
+          <a:bodyPr/>
+          <a:lstStyle/>
+          <a:p>
+            <a:r>
+              <a:rPr lang="pt-BR" dirty="0"/>
+              <a:t>Analise De Complexidade:</a:t>
+            </a:r>
+          </a:p>
+        </p:txBody>
+      </p:sp>
+      <p:sp>
+        <p:nvSpPr>
+          <p:cNvPr id="3" name="Espaço Reservado para Conteúdo 2">
+            <a:extLst>
+              <a:ext uri="{FF2B5EF4-FFF2-40B4-BE49-F238E27FC236}">
+                <a16:creationId xmlns:a16="http://schemas.microsoft.com/office/drawing/2014/main" id="{74DDEEDB-8BEA-43D5-BD9E-753453B2D895}"/>
+              </a:ext>
+            </a:extLst>
+          </p:cNvPr>
+          <p:cNvSpPr>
+            <a:spLocks noGrp="1"/>
+          </p:cNvSpPr>
+          <p:nvPr>
+            <p:ph idx="1"/>
+          </p:nvPr>
+        </p:nvSpPr>
+        <p:spPr/>
+        <p:txBody>
+          <a:bodyPr/>
+          <a:lstStyle/>
+          <a:p>
+            <a:r>
+              <a:rPr lang="pt-BR" dirty="0"/>
+              <a:t>A complexidade do algoritmo é dada por Ford-</a:t>
+            </a:r>
+            <a:r>
+              <a:rPr lang="pt-BR" dirty="0" err="1"/>
+              <a:t>Fulkerson</a:t>
+            </a:r>
+            <a:r>
+              <a:rPr lang="pt-BR" dirty="0"/>
+              <a:t> e </a:t>
+            </a:r>
+            <a:r>
+              <a:rPr lang="pt-BR" dirty="0" err="1"/>
+              <a:t>Dijkstra</a:t>
+            </a:r>
+            <a:r>
+              <a:rPr lang="pt-BR" dirty="0"/>
+              <a:t>:</a:t>
+            </a:r>
+          </a:p>
+          <a:p>
+            <a:r>
+              <a:rPr lang="pt-BR" dirty="0"/>
+              <a:t>Complexidade: Ford-</a:t>
+            </a:r>
+            <a:r>
+              <a:rPr lang="pt-BR" dirty="0" err="1"/>
+              <a:t>Fulkerson</a:t>
+            </a:r>
+            <a:r>
+              <a:rPr lang="pt-BR" dirty="0"/>
+              <a:t> * </a:t>
+            </a:r>
+            <a:r>
+              <a:rPr lang="pt-BR" dirty="0" err="1"/>
+              <a:t>Dijkstra</a:t>
+            </a:r>
+            <a:endParaRPr lang="pt-BR" dirty="0"/>
+          </a:p>
+          <a:p>
+            <a:r>
+              <a:rPr lang="pt-BR" dirty="0"/>
+              <a:t>Portanto: |A| * (|V|*|V|)</a:t>
+            </a:r>
+          </a:p>
+        </p:txBody>
+      </p:sp>
+    </p:spTree>
+    <p:extLst>
+      <p:ext uri="{BB962C8B-B14F-4D97-AF65-F5344CB8AC3E}">
+        <p14:creationId xmlns:p14="http://schemas.microsoft.com/office/powerpoint/2010/main" val="1876064500"/>
+      </p:ext>
+    </p:extLst>
+  </p:cSld>
+  <p:clrMapOvr>
+    <a:masterClrMapping/>
+  </p:clrMapOvr>
+</p:sld>
+</file>
+
+<file path=ppt/slides/slide15.xml><?xml version="1.0" encoding="utf-8"?>
+<p:sld xmlns:a="http://schemas.openxmlformats.org/drawingml/2006/main" xmlns:r="http://schemas.openxmlformats.org/officeDocument/2006/relationships" xmlns:p="http://schemas.openxmlformats.org/presentationml/2006/main">
+  <p:cSld>
+    <p:spTree>
+      <p:nvGrpSpPr>
+        <p:cNvPr id="1" name=""/>
+        <p:cNvGrpSpPr/>
+        <p:nvPr/>
+      </p:nvGrpSpPr>
+      <p:grpSpPr>
+        <a:xfrm>
+          <a:off x="0" y="0"/>
+          <a:ext cx="0" cy="0"/>
+          <a:chOff x="0" y="0"/>
+          <a:chExt cx="0" cy="0"/>
+        </a:xfrm>
+      </p:grpSpPr>
+      <p:sp>
+        <p:nvSpPr>
+          <p:cNvPr id="2" name="Título 1">
+            <a:extLst>
+              <a:ext uri="{FF2B5EF4-FFF2-40B4-BE49-F238E27FC236}">
+                <a16:creationId xmlns:a16="http://schemas.microsoft.com/office/drawing/2014/main" id="{139A2472-2AEC-4306-B324-C3DFBF9F713A}"/>
+              </a:ext>
+            </a:extLst>
+          </p:cNvPr>
+          <p:cNvSpPr>
+            <a:spLocks noGrp="1"/>
+          </p:cNvSpPr>
+          <p:nvPr>
+            <p:ph type="title"/>
+          </p:nvPr>
+        </p:nvSpPr>
+        <p:spPr/>
+        <p:txBody>
+          <a:bodyPr/>
+          <a:lstStyle/>
+          <a:p>
+            <a:r>
+              <a:rPr lang="pt-BR" dirty="0"/>
+              <a:t>Possíveis Transformações de Problema:</a:t>
+            </a:r>
+          </a:p>
+        </p:txBody>
+      </p:sp>
+      <p:sp>
+        <p:nvSpPr>
+          <p:cNvPr id="3" name="Espaço Reservado para Conteúdo 2">
+            <a:extLst>
+              <a:ext uri="{FF2B5EF4-FFF2-40B4-BE49-F238E27FC236}">
+                <a16:creationId xmlns:a16="http://schemas.microsoft.com/office/drawing/2014/main" id="{ADE182C4-6424-40DA-A9BA-6405880B6B85}"/>
+              </a:ext>
+            </a:extLst>
+          </p:cNvPr>
+          <p:cNvSpPr>
+            <a:spLocks noGrp="1"/>
+          </p:cNvSpPr>
+          <p:nvPr>
+            <p:ph idx="1"/>
+          </p:nvPr>
+        </p:nvSpPr>
+        <p:spPr/>
+        <p:txBody>
+          <a:bodyPr/>
+          <a:lstStyle/>
+          <a:p>
+            <a:r>
+              <a:rPr lang="pt-BR" dirty="0"/>
+              <a:t>O problema de Fluxo Máximo a Custo Mínimo pode ser transformado em outros dois problemas de forma fácil:</a:t>
+            </a:r>
+          </a:p>
+          <a:p>
+            <a:r>
+              <a:rPr lang="pt-BR" dirty="0"/>
+              <a:t>Fluxo Máximo: Caso os custos em todas as arestas passe a ser zero</a:t>
+            </a:r>
+          </a:p>
+          <a:p>
+            <a:r>
+              <a:rPr lang="pt-BR" dirty="0"/>
+              <a:t>Caminho Mínimo: Existe duas formas: </a:t>
+            </a:r>
+          </a:p>
+          <a:p>
+            <a:pPr lvl="1"/>
+            <a:r>
+              <a:rPr lang="pt-BR" dirty="0"/>
+              <a:t>Passar uma meta menor que a menor capacidade de uma aresta no grafo.</a:t>
+            </a:r>
+          </a:p>
+          <a:p>
+            <a:pPr lvl="1"/>
+            <a:r>
+              <a:rPr lang="pt-BR" dirty="0"/>
+              <a:t>Colocar que a capacidade de todas  aresta é infinito.</a:t>
+            </a:r>
+          </a:p>
+        </p:txBody>
+      </p:sp>
+    </p:spTree>
+    <p:extLst>
+      <p:ext uri="{BB962C8B-B14F-4D97-AF65-F5344CB8AC3E}">
+        <p14:creationId xmlns:p14="http://schemas.microsoft.com/office/powerpoint/2010/main" val="424715809"/>
+      </p:ext>
+    </p:extLst>
+  </p:cSld>
+  <p:clrMapOvr>
+    <a:masterClrMapping/>
+  </p:clrMapOvr>
+</p:sld>
+</file>
+
+<file path=ppt/slides/slide16.xml><?xml version="1.0" encoding="utf-8"?>
+<p:sld xmlns:a="http://schemas.openxmlformats.org/drawingml/2006/main" xmlns:r="http://schemas.openxmlformats.org/officeDocument/2006/relationships" xmlns:p="http://schemas.openxmlformats.org/presentationml/2006/main">
+  <p:cSld>
+    <p:spTree>
+      <p:nvGrpSpPr>
+        <p:cNvPr id="1" name=""/>
+        <p:cNvGrpSpPr/>
+        <p:nvPr/>
+      </p:nvGrpSpPr>
+      <p:grpSpPr>
+        <a:xfrm>
+          <a:off x="0" y="0"/>
+          <a:ext cx="0" cy="0"/>
+          <a:chOff x="0" y="0"/>
+          <a:chExt cx="0" cy="0"/>
+        </a:xfrm>
+      </p:grpSpPr>
+      <p:sp>
+        <p:nvSpPr>
+          <p:cNvPr id="2" name="Título 1">
+            <a:extLst>
+              <a:ext uri="{FF2B5EF4-FFF2-40B4-BE49-F238E27FC236}">
+                <a16:creationId xmlns:a16="http://schemas.microsoft.com/office/drawing/2014/main" id="{A4E73601-4559-4D45-BBEA-5D642259A6E0}"/>
+              </a:ext>
+            </a:extLst>
+          </p:cNvPr>
+          <p:cNvSpPr>
+            <a:spLocks noGrp="1"/>
+          </p:cNvSpPr>
+          <p:nvPr>
+            <p:ph type="title"/>
+          </p:nvPr>
+        </p:nvSpPr>
+        <p:spPr/>
+        <p:txBody>
+          <a:bodyPr/>
+          <a:lstStyle/>
+          <a:p>
+            <a:r>
+              <a:rPr lang="pt-BR" dirty="0"/>
+              <a:t>Aplicabilidade:</a:t>
+            </a:r>
+          </a:p>
+        </p:txBody>
+      </p:sp>
+      <p:sp>
+        <p:nvSpPr>
+          <p:cNvPr id="3" name="Espaço Reservado para Conteúdo 2">
+            <a:extLst>
+              <a:ext uri="{FF2B5EF4-FFF2-40B4-BE49-F238E27FC236}">
+                <a16:creationId xmlns:a16="http://schemas.microsoft.com/office/drawing/2014/main" id="{4C728A84-21E7-4EFF-84FF-FA71EDEB789C}"/>
+              </a:ext>
+            </a:extLst>
+          </p:cNvPr>
+          <p:cNvSpPr>
+            <a:spLocks noGrp="1"/>
+          </p:cNvSpPr>
+          <p:nvPr>
+            <p:ph idx="1"/>
+          </p:nvPr>
+        </p:nvSpPr>
+        <p:spPr/>
+        <p:txBody>
+          <a:bodyPr/>
+          <a:lstStyle/>
+          <a:p>
+            <a:r>
+              <a:rPr lang="pt-BR" dirty="0"/>
+              <a:t>O problema de Fluxo Máximo de Custo Mínimo é aplicável em problemas de distribuição onde o objetivo é minimizar o custo final:</a:t>
+            </a:r>
+          </a:p>
+          <a:p>
+            <a:r>
+              <a:rPr lang="pt-BR" dirty="0"/>
+              <a:t>Exemplos:</a:t>
+            </a:r>
+          </a:p>
+          <a:p>
+            <a:pPr lvl="1"/>
+            <a:r>
+              <a:rPr lang="pt-BR" dirty="0"/>
+              <a:t>Distribuição de detritos; </a:t>
+            </a:r>
+          </a:p>
+          <a:p>
+            <a:pPr lvl="1"/>
+            <a:r>
+              <a:rPr lang="pt-BR" dirty="0"/>
+              <a:t>Distribuição de água;</a:t>
+            </a:r>
+          </a:p>
+        </p:txBody>
+      </p:sp>
+    </p:spTree>
+    <p:extLst>
+      <p:ext uri="{BB962C8B-B14F-4D97-AF65-F5344CB8AC3E}">
+        <p14:creationId xmlns:p14="http://schemas.microsoft.com/office/powerpoint/2010/main" val="766040186"/>
+      </p:ext>
+    </p:extLst>
+  </p:cSld>
+  <p:clrMapOvr>
+    <a:masterClrMapping/>
+  </p:clrMapOvr>
+</p:sld>
+</file>
+
 <file path=ppt/slides/slide2.xml><?xml version="1.0" encoding="utf-8"?>
 <p:sld xmlns:a="http://schemas.openxmlformats.org/drawingml/2006/main" xmlns:r="http://schemas.openxmlformats.org/officeDocument/2006/relationships" xmlns:p="http://schemas.openxmlformats.org/presentationml/2006/main">
   <p:cSld>
@@ -7528,7 +8796,15 @@
           <a:p>
             <a:r>
               <a:rPr lang="pt-BR" dirty="0"/>
-              <a:t>Não existir arestas de custo negativo, para utilizar </a:t>
+              <a:t>Não haver custo negativo após aplicada a função de custo(</a:t>
+            </a:r>
+            <a:r>
+              <a:rPr lang="pt-BR" dirty="0" err="1"/>
+              <a:t>fc</a:t>
+            </a:r>
+            <a:r>
+              <a:rPr lang="pt-BR" dirty="0"/>
+              <a:t>), para utilizar </a:t>
             </a:r>
             <a:r>
               <a:rPr lang="pt-BR" dirty="0" err="1"/>
@@ -7541,20 +8817,21 @@
           </a:p>
           <a:p>
             <a:r>
+              <a:rPr lang="pt-BR" dirty="0" err="1"/>
+              <a:t>Obs</a:t>
+            </a:r>
+            <a:r>
               <a:rPr lang="pt-BR" dirty="0"/>
-              <a:t>Deve existir ao menos um caminho </a:t>
+              <a:t>: Caso o algoritmo de caminho mínimo mude para </a:t>
             </a:r>
             <a:r>
               <a:rPr lang="pt-BR" dirty="0" err="1"/>
-              <a:t>s-t</a:t>
+              <a:t>Bellman</a:t>
             </a:r>
             <a:r>
               <a:rPr lang="pt-BR" dirty="0"/>
-              <a:t>;</a:t>
-            </a:r>
-          </a:p>
-          <a:p>
-            <a:endParaRPr lang="pt-BR" dirty="0"/>
+              <a:t>-Ford, então a restrição passa a ser de não haver ciclos de custo negativo.</a:t>
+            </a:r>
           </a:p>
         </p:txBody>
       </p:sp>
@@ -7661,7 +8938,7 @@
             </a:r>
             <a:r>
               <a:rPr lang="pt-BR" dirty="0" err="1"/>
-              <a:t>Fc</a:t>
+              <a:t>fc</a:t>
             </a:r>
             <a:r>
               <a:rPr lang="pt-BR" dirty="0"/>
@@ -7776,7 +9053,7 @@
             <a:pPr lvl="1"/>
             <a:r>
               <a:rPr lang="pt-BR" dirty="0"/>
-              <a:t>Inicializar capacidade de fluxo de cada aresta do grafo atual como 0</a:t>
+              <a:t>Inicializar capacidade de atual como a capacidade total da aresta.</a:t>
             </a:r>
           </a:p>
           <a:p>
@@ -7818,20 +9095,15 @@
             <a:pPr lvl="1"/>
             <a:r>
               <a:rPr lang="pt-BR" dirty="0"/>
-              <a:t>Subtrair a fluxo máximo desse caminho da capacidade máxima de cada aresta do caminho.</a:t>
+              <a:t>Subtrair a fluxo máximo desse caminho da capacidade atual de cada aresta do caminho.</a:t>
             </a:r>
           </a:p>
           <a:p>
             <a:pPr lvl="1"/>
             <a:r>
               <a:rPr lang="pt-BR" dirty="0"/>
-              <a:t>Atualizar </a:t>
-            </a:r>
-            <a:r>
-              <a:rPr lang="pt-BR"/>
-              <a:t>Grafo Residual.</a:t>
-            </a:r>
-            <a:endParaRPr lang="pt-BR" dirty="0"/>
+              <a:t>Atualizar Grafo Residual.</a:t>
+            </a:r>
           </a:p>
           <a:p>
             <a:endParaRPr lang="pt-BR" dirty="0"/>
@@ -7842,6 +9114,388 @@
     <p:extLst>
       <p:ext uri="{BB962C8B-B14F-4D97-AF65-F5344CB8AC3E}">
         <p14:creationId xmlns:p14="http://schemas.microsoft.com/office/powerpoint/2010/main" val="2016515051"/>
+      </p:ext>
+    </p:extLst>
+  </p:cSld>
+  <p:clrMapOvr>
+    <a:masterClrMapping/>
+  </p:clrMapOvr>
+</p:sld>
+</file>
+
+<file path=ppt/slides/slide8.xml><?xml version="1.0" encoding="utf-8"?>
+<p:sld xmlns:a="http://schemas.openxmlformats.org/drawingml/2006/main" xmlns:r="http://schemas.openxmlformats.org/officeDocument/2006/relationships" xmlns:p="http://schemas.openxmlformats.org/presentationml/2006/main">
+  <p:cSld>
+    <p:spTree>
+      <p:nvGrpSpPr>
+        <p:cNvPr id="1" name=""/>
+        <p:cNvGrpSpPr/>
+        <p:nvPr/>
+      </p:nvGrpSpPr>
+      <p:grpSpPr>
+        <a:xfrm>
+          <a:off x="0" y="0"/>
+          <a:ext cx="0" cy="0"/>
+          <a:chOff x="0" y="0"/>
+          <a:chExt cx="0" cy="0"/>
+        </a:xfrm>
+      </p:grpSpPr>
+      <p:sp>
+        <p:nvSpPr>
+          <p:cNvPr id="2" name="Título 1">
+            <a:extLst>
+              <a:ext uri="{FF2B5EF4-FFF2-40B4-BE49-F238E27FC236}">
+                <a16:creationId xmlns:a16="http://schemas.microsoft.com/office/drawing/2014/main" id="{15BA8010-A20A-4494-843C-7E8BDFFB6056}"/>
+              </a:ext>
+            </a:extLst>
+          </p:cNvPr>
+          <p:cNvSpPr>
+            <a:spLocks noGrp="1"/>
+          </p:cNvSpPr>
+          <p:nvPr>
+            <p:ph type="title"/>
+          </p:nvPr>
+        </p:nvSpPr>
+        <p:spPr/>
+        <p:txBody>
+          <a:bodyPr/>
+          <a:lstStyle/>
+          <a:p>
+            <a:r>
+              <a:rPr lang="pt-BR" dirty="0"/>
+              <a:t>Exemplo Execução:</a:t>
+            </a:r>
+          </a:p>
+        </p:txBody>
+      </p:sp>
+      <p:pic>
+        <p:nvPicPr>
+          <p:cNvPr id="5" name="Espaço Reservado para Conteúdo 4">
+            <a:extLst>
+              <a:ext uri="{FF2B5EF4-FFF2-40B4-BE49-F238E27FC236}">
+                <a16:creationId xmlns:a16="http://schemas.microsoft.com/office/drawing/2014/main" id="{FDF0BAB0-02CF-4281-8078-275D41777AAE}"/>
+              </a:ext>
+            </a:extLst>
+          </p:cNvPr>
+          <p:cNvPicPr>
+            <a:picLocks noGrp="1" noChangeAspect="1"/>
+          </p:cNvPicPr>
+          <p:nvPr>
+            <p:ph idx="1"/>
+          </p:nvPr>
+        </p:nvPicPr>
+        <p:blipFill>
+          <a:blip r:embed="rId2">
+            <a:extLst>
+              <a:ext uri="{28A0092B-C50C-407E-A947-70E740481C1C}">
+                <a14:useLocalDpi xmlns:a14="http://schemas.microsoft.com/office/drawing/2010/main" val="0"/>
+              </a:ext>
+            </a:extLst>
+          </a:blip>
+          <a:stretch>
+            <a:fillRect/>
+          </a:stretch>
+        </p:blipFill>
+        <p:spPr>
+          <a:xfrm>
+            <a:off x="5810596" y="1853754"/>
+            <a:ext cx="6381404" cy="4199727"/>
+          </a:xfrm>
+        </p:spPr>
+      </p:pic>
+      <p:sp>
+        <p:nvSpPr>
+          <p:cNvPr id="6" name="CaixaDeTexto 5">
+            <a:extLst>
+              <a:ext uri="{FF2B5EF4-FFF2-40B4-BE49-F238E27FC236}">
+                <a16:creationId xmlns:a16="http://schemas.microsoft.com/office/drawing/2014/main" id="{E5640A78-2DC8-407E-90D5-ACB7E464ED49}"/>
+              </a:ext>
+            </a:extLst>
+          </p:cNvPr>
+          <p:cNvSpPr txBox="1"/>
+          <p:nvPr/>
+        </p:nvSpPr>
+        <p:spPr>
+          <a:xfrm>
+            <a:off x="504448" y="2451653"/>
+            <a:ext cx="3829013" cy="2862322"/>
+          </a:xfrm>
+          <a:prstGeom prst="rect">
+            <a:avLst/>
+          </a:prstGeom>
+          <a:noFill/>
+        </p:spPr>
+        <p:txBody>
+          <a:bodyPr wrap="square" rtlCol="0">
+            <a:spAutoFit/>
+          </a:bodyPr>
+          <a:lstStyle/>
+          <a:p>
+            <a:pPr marL="285750" indent="-285750">
+              <a:buClr>
+                <a:schemeClr val="accent1"/>
+              </a:buClr>
+              <a:buFont typeface="Arial" panose="020B0604020202020204" pitchFamily="34" charset="0"/>
+              <a:buChar char="•"/>
+            </a:pPr>
+            <a:r>
+              <a:rPr lang="pt-BR" dirty="0">
+                <a:latin typeface="Arial" panose="020B0604020202020204" pitchFamily="34" charset="0"/>
+                <a:cs typeface="Arial" panose="020B0604020202020204" pitchFamily="34" charset="0"/>
+              </a:rPr>
+              <a:t>Estado Inicial: Grafo Residual</a:t>
+            </a:r>
+          </a:p>
+          <a:p>
+            <a:pPr marL="285750" indent="-285750">
+              <a:buClr>
+                <a:schemeClr val="accent1"/>
+              </a:buClr>
+              <a:buFont typeface="Arial" panose="020B0604020202020204" pitchFamily="34" charset="0"/>
+              <a:buChar char="•"/>
+            </a:pPr>
+            <a:r>
+              <a:rPr lang="pt-BR" dirty="0" err="1">
+                <a:latin typeface="Arial" panose="020B0604020202020204" pitchFamily="34" charset="0"/>
+                <a:cs typeface="Arial" panose="020B0604020202020204" pitchFamily="34" charset="0"/>
+              </a:rPr>
+              <a:t>fluxo_maximo</a:t>
+            </a:r>
+            <a:r>
+              <a:rPr lang="pt-BR" dirty="0">
+                <a:latin typeface="Arial" panose="020B0604020202020204" pitchFamily="34" charset="0"/>
+                <a:cs typeface="Arial" panose="020B0604020202020204" pitchFamily="34" charset="0"/>
+              </a:rPr>
+              <a:t> = 0</a:t>
+            </a:r>
+          </a:p>
+          <a:p>
+            <a:pPr marL="285750" indent="-285750">
+              <a:buClr>
+                <a:schemeClr val="accent1"/>
+              </a:buClr>
+              <a:buFont typeface="Arial" panose="020B0604020202020204" pitchFamily="34" charset="0"/>
+              <a:buChar char="•"/>
+            </a:pPr>
+            <a:r>
+              <a:rPr lang="pt-BR" dirty="0" err="1">
+                <a:latin typeface="Arial" panose="020B0604020202020204" pitchFamily="34" charset="0"/>
+                <a:cs typeface="Arial" panose="020B0604020202020204" pitchFamily="34" charset="0"/>
+              </a:rPr>
+              <a:t>fluxo_caminho</a:t>
+            </a:r>
+            <a:r>
+              <a:rPr lang="pt-BR" dirty="0">
+                <a:latin typeface="Arial" panose="020B0604020202020204" pitchFamily="34" charset="0"/>
+                <a:cs typeface="Arial" panose="020B0604020202020204" pitchFamily="34" charset="0"/>
+              </a:rPr>
+              <a:t> = 0</a:t>
+            </a:r>
+          </a:p>
+          <a:p>
+            <a:r>
+              <a:rPr lang="pt-BR" dirty="0">
+                <a:latin typeface="Arial" panose="020B0604020202020204" pitchFamily="34" charset="0"/>
+                <a:cs typeface="Arial" panose="020B0604020202020204" pitchFamily="34" charset="0"/>
+              </a:rPr>
+              <a:t>π = [-1,-1,-1,-1,-1,-1,-1,-1]</a:t>
+            </a:r>
+          </a:p>
+          <a:p>
+            <a:endParaRPr lang="pt-BR" dirty="0">
+              <a:latin typeface="Arial" panose="020B0604020202020204" pitchFamily="34" charset="0"/>
+              <a:cs typeface="Arial" panose="020B0604020202020204" pitchFamily="34" charset="0"/>
+            </a:endParaRPr>
+          </a:p>
+          <a:p>
+            <a:endParaRPr lang="pt-BR" dirty="0">
+              <a:latin typeface="Arial" panose="020B0604020202020204" pitchFamily="34" charset="0"/>
+              <a:cs typeface="Arial" panose="020B0604020202020204" pitchFamily="34" charset="0"/>
+            </a:endParaRPr>
+          </a:p>
+          <a:p>
+            <a:endParaRPr lang="pt-BR" dirty="0">
+              <a:latin typeface="Arial" panose="020B0604020202020204" pitchFamily="34" charset="0"/>
+              <a:cs typeface="Arial" panose="020B0604020202020204" pitchFamily="34" charset="0"/>
+            </a:endParaRPr>
+          </a:p>
+          <a:p>
+            <a:endParaRPr lang="pt-BR" dirty="0">
+              <a:latin typeface="Arial" panose="020B0604020202020204" pitchFamily="34" charset="0"/>
+              <a:cs typeface="Arial" panose="020B0604020202020204" pitchFamily="34" charset="0"/>
+            </a:endParaRPr>
+          </a:p>
+          <a:p>
+            <a:endParaRPr lang="pt-BR" dirty="0">
+              <a:latin typeface="Arial" panose="020B0604020202020204" pitchFamily="34" charset="0"/>
+              <a:cs typeface="Arial" panose="020B0604020202020204" pitchFamily="34" charset="0"/>
+            </a:endParaRPr>
+          </a:p>
+          <a:p>
+            <a:r>
+              <a:rPr lang="pt-BR" dirty="0" err="1">
+                <a:latin typeface="Arial" panose="020B0604020202020204" pitchFamily="34" charset="0"/>
+                <a:cs typeface="Arial" panose="020B0604020202020204" pitchFamily="34" charset="0"/>
+              </a:rPr>
+              <a:t>Obs</a:t>
+            </a:r>
+            <a:r>
+              <a:rPr lang="pt-BR" dirty="0">
+                <a:latin typeface="Arial" panose="020B0604020202020204" pitchFamily="34" charset="0"/>
+                <a:cs typeface="Arial" panose="020B0604020202020204" pitchFamily="34" charset="0"/>
+              </a:rPr>
+              <a:t>: </a:t>
+            </a:r>
+            <a:r>
+              <a:rPr lang="pt-BR" dirty="0" err="1">
+                <a:latin typeface="Arial" panose="020B0604020202020204" pitchFamily="34" charset="0"/>
+                <a:cs typeface="Arial" panose="020B0604020202020204" pitchFamily="34" charset="0"/>
+              </a:rPr>
+              <a:t>fc</a:t>
+            </a:r>
+            <a:r>
+              <a:rPr lang="pt-BR" dirty="0">
+                <a:latin typeface="Arial" panose="020B0604020202020204" pitchFamily="34" charset="0"/>
+                <a:cs typeface="Arial" panose="020B0604020202020204" pitchFamily="34" charset="0"/>
+              </a:rPr>
+              <a:t> será capacidade * custo</a:t>
+            </a:r>
+          </a:p>
+        </p:txBody>
+      </p:sp>
+    </p:spTree>
+    <p:extLst>
+      <p:ext uri="{BB962C8B-B14F-4D97-AF65-F5344CB8AC3E}">
+        <p14:creationId xmlns:p14="http://schemas.microsoft.com/office/powerpoint/2010/main" val="2915770042"/>
+      </p:ext>
+    </p:extLst>
+  </p:cSld>
+  <p:clrMapOvr>
+    <a:masterClrMapping/>
+  </p:clrMapOvr>
+</p:sld>
+</file>
+
+<file path=ppt/slides/slide9.xml><?xml version="1.0" encoding="utf-8"?>
+<p:sld xmlns:a="http://schemas.openxmlformats.org/drawingml/2006/main" xmlns:r="http://schemas.openxmlformats.org/officeDocument/2006/relationships" xmlns:p="http://schemas.openxmlformats.org/presentationml/2006/main">
+  <p:cSld>
+    <p:spTree>
+      <p:nvGrpSpPr>
+        <p:cNvPr id="1" name=""/>
+        <p:cNvGrpSpPr/>
+        <p:nvPr/>
+      </p:nvGrpSpPr>
+      <p:grpSpPr>
+        <a:xfrm>
+          <a:off x="0" y="0"/>
+          <a:ext cx="0" cy="0"/>
+          <a:chOff x="0" y="0"/>
+          <a:chExt cx="0" cy="0"/>
+        </a:xfrm>
+      </p:grpSpPr>
+      <p:sp>
+        <p:nvSpPr>
+          <p:cNvPr id="2" name="Título 1">
+            <a:extLst>
+              <a:ext uri="{FF2B5EF4-FFF2-40B4-BE49-F238E27FC236}">
+                <a16:creationId xmlns:a16="http://schemas.microsoft.com/office/drawing/2014/main" id="{AC58E558-BABF-4076-BCE9-4AED518CE1B2}"/>
+              </a:ext>
+            </a:extLst>
+          </p:cNvPr>
+          <p:cNvSpPr>
+            <a:spLocks noGrp="1"/>
+          </p:cNvSpPr>
+          <p:nvPr>
+            <p:ph type="title"/>
+          </p:nvPr>
+        </p:nvSpPr>
+        <p:spPr/>
+        <p:txBody>
+          <a:bodyPr/>
+          <a:lstStyle/>
+          <a:p>
+            <a:r>
+              <a:rPr lang="pt-BR" dirty="0"/>
+              <a:t>Transformação do grafo para busca de caminho mínimo</a:t>
+            </a:r>
+          </a:p>
+        </p:txBody>
+      </p:sp>
+      <p:pic>
+        <p:nvPicPr>
+          <p:cNvPr id="5" name="Espaço Reservado para Conteúdo 4">
+            <a:extLst>
+              <a:ext uri="{FF2B5EF4-FFF2-40B4-BE49-F238E27FC236}">
+                <a16:creationId xmlns:a16="http://schemas.microsoft.com/office/drawing/2014/main" id="{253005B1-9CA7-44B1-AA7D-A6E1AE5871FD}"/>
+              </a:ext>
+            </a:extLst>
+          </p:cNvPr>
+          <p:cNvPicPr>
+            <a:picLocks noGrp="1" noChangeAspect="1"/>
+          </p:cNvPicPr>
+          <p:nvPr>
+            <p:ph idx="1"/>
+          </p:nvPr>
+        </p:nvPicPr>
+        <p:blipFill>
+          <a:blip r:embed="rId2">
+            <a:extLst>
+              <a:ext uri="{28A0092B-C50C-407E-A947-70E740481C1C}">
+                <a14:useLocalDpi xmlns:a14="http://schemas.microsoft.com/office/drawing/2010/main" val="0"/>
+              </a:ext>
+            </a:extLst>
+          </a:blip>
+          <a:stretch>
+            <a:fillRect/>
+          </a:stretch>
+        </p:blipFill>
+        <p:spPr>
+          <a:xfrm>
+            <a:off x="0" y="1853753"/>
+            <a:ext cx="5542671" cy="4199727"/>
+          </a:xfrm>
+        </p:spPr>
+      </p:pic>
+      <p:pic>
+        <p:nvPicPr>
+          <p:cNvPr id="8" name="Imagem 7">
+            <a:extLst>
+              <a:ext uri="{FF2B5EF4-FFF2-40B4-BE49-F238E27FC236}">
+                <a16:creationId xmlns:a16="http://schemas.microsoft.com/office/drawing/2014/main" id="{2060FF0C-0047-458F-B446-EC3BE30BA902}"/>
+              </a:ext>
+            </a:extLst>
+          </p:cNvPr>
+          <p:cNvPicPr>
+            <a:picLocks noChangeAspect="1"/>
+          </p:cNvPicPr>
+          <p:nvPr/>
+        </p:nvPicPr>
+        <p:blipFill>
+          <a:blip r:embed="rId3">
+            <a:extLst>
+              <a:ext uri="{28A0092B-C50C-407E-A947-70E740481C1C}">
+                <a14:useLocalDpi xmlns:a14="http://schemas.microsoft.com/office/drawing/2010/main" val="0"/>
+              </a:ext>
+            </a:extLst>
+          </a:blip>
+          <a:stretch>
+            <a:fillRect/>
+          </a:stretch>
+        </p:blipFill>
+        <p:spPr>
+          <a:xfrm>
+            <a:off x="6479833" y="1853753"/>
+            <a:ext cx="5712168" cy="4199726"/>
+          </a:xfrm>
+          <a:prstGeom prst="rect">
+            <a:avLst/>
+          </a:prstGeom>
+        </p:spPr>
+      </p:pic>
+    </p:spTree>
+    <p:extLst>
+      <p:ext uri="{BB962C8B-B14F-4D97-AF65-F5344CB8AC3E}">
+        <p14:creationId xmlns:p14="http://schemas.microsoft.com/office/powerpoint/2010/main" val="2190325202"/>
       </p:ext>
     </p:extLst>
   </p:cSld>

--- a/FluxoCustoMinimo/slides e texto/Apresentacao.pptx
+++ b/FluxoCustoMinimo/slides e texto/Apresentacao.pptx
@@ -6,25 +6,24 @@
     <p:sldMasterId id="2147483815" r:id="rId2"/>
   </p:sldMasterIdLst>
   <p:notesMasterIdLst>
-    <p:notesMasterId r:id="rId19"/>
+    <p:notesMasterId r:id="rId18"/>
   </p:notesMasterIdLst>
   <p:sldIdLst>
     <p:sldId id="256" r:id="rId3"/>
     <p:sldId id="257" r:id="rId4"/>
     <p:sldId id="258" r:id="rId5"/>
-    <p:sldId id="259" r:id="rId6"/>
-    <p:sldId id="260" r:id="rId7"/>
-    <p:sldId id="261" r:id="rId8"/>
-    <p:sldId id="262" r:id="rId9"/>
-    <p:sldId id="263" r:id="rId10"/>
-    <p:sldId id="264" r:id="rId11"/>
-    <p:sldId id="265" r:id="rId12"/>
-    <p:sldId id="266" r:id="rId13"/>
-    <p:sldId id="267" r:id="rId14"/>
-    <p:sldId id="268" r:id="rId15"/>
-    <p:sldId id="269" r:id="rId16"/>
-    <p:sldId id="270" r:id="rId17"/>
-    <p:sldId id="271" r:id="rId18"/>
+    <p:sldId id="260" r:id="rId6"/>
+    <p:sldId id="261" r:id="rId7"/>
+    <p:sldId id="262" r:id="rId8"/>
+    <p:sldId id="263" r:id="rId9"/>
+    <p:sldId id="264" r:id="rId10"/>
+    <p:sldId id="265" r:id="rId11"/>
+    <p:sldId id="266" r:id="rId12"/>
+    <p:sldId id="267" r:id="rId13"/>
+    <p:sldId id="268" r:id="rId14"/>
+    <p:sldId id="269" r:id="rId15"/>
+    <p:sldId id="270" r:id="rId16"/>
+    <p:sldId id="271" r:id="rId17"/>
   </p:sldIdLst>
   <p:sldSz cx="12192000" cy="6858000"/>
   <p:notesSz cx="6858000" cy="9144000"/>
@@ -216,7 +215,7 @@
           <a:p>
             <a:fld id="{597A9C32-70CE-4546-BAB2-000E203249D4}" type="datetimeFigureOut">
               <a:rPr lang="pt-BR" smtClean="0"/>
-              <a:t>28/06/2019</a:t>
+              <a:t>02/07/2019</a:t>
             </a:fld>
             <a:endParaRPr lang="pt-BR"/>
           </a:p>
@@ -483,90 +482,6 @@
 </p:notesMaster>
 </file>
 
-<file path=ppt/notesSlides/notesSlide1.xml><?xml version="1.0" encoding="utf-8"?>
-<p:notes xmlns:a="http://schemas.openxmlformats.org/drawingml/2006/main" xmlns:r="http://schemas.openxmlformats.org/officeDocument/2006/relationships" xmlns:p="http://schemas.openxmlformats.org/presentationml/2006/main">
-  <p:cSld>
-    <p:spTree>
-      <p:nvGrpSpPr>
-        <p:cNvPr id="1" name=""/>
-        <p:cNvGrpSpPr/>
-        <p:nvPr/>
-      </p:nvGrpSpPr>
-      <p:grpSpPr>
-        <a:xfrm>
-          <a:off x="0" y="0"/>
-          <a:ext cx="0" cy="0"/>
-          <a:chOff x="0" y="0"/>
-          <a:chExt cx="0" cy="0"/>
-        </a:xfrm>
-      </p:grpSpPr>
-      <p:sp>
-        <p:nvSpPr>
-          <p:cNvPr id="2" name="Espaço Reservado para Imagem de Slide 1"/>
-          <p:cNvSpPr>
-            <a:spLocks noGrp="1" noRot="1" noChangeAspect="1"/>
-          </p:cNvSpPr>
-          <p:nvPr>
-            <p:ph type="sldImg"/>
-          </p:nvPr>
-        </p:nvSpPr>
-        <p:spPr/>
-      </p:sp>
-      <p:sp>
-        <p:nvSpPr>
-          <p:cNvPr id="3" name="Espaço Reservado para Anotações 2"/>
-          <p:cNvSpPr>
-            <a:spLocks noGrp="1"/>
-          </p:cNvSpPr>
-          <p:nvPr>
-            <p:ph type="body" idx="1"/>
-          </p:nvPr>
-        </p:nvSpPr>
-        <p:spPr/>
-        <p:txBody>
-          <a:bodyPr/>
-          <a:lstStyle/>
-          <a:p>
-            <a:endParaRPr lang="pt-BR"/>
-          </a:p>
-        </p:txBody>
-      </p:sp>
-      <p:sp>
-        <p:nvSpPr>
-          <p:cNvPr id="4" name="Espaço Reservado para Número de Slide 3"/>
-          <p:cNvSpPr>
-            <a:spLocks noGrp="1"/>
-          </p:cNvSpPr>
-          <p:nvPr>
-            <p:ph type="sldNum" sz="quarter" idx="5"/>
-          </p:nvPr>
-        </p:nvSpPr>
-        <p:spPr/>
-        <p:txBody>
-          <a:bodyPr/>
-          <a:lstStyle/>
-          <a:p>
-            <a:fld id="{8AF81573-F320-49F3-9F41-A3EC002EB269}" type="slidenum">
-              <a:rPr lang="pt-BR" smtClean="0"/>
-              <a:t>4</a:t>
-            </a:fld>
-            <a:endParaRPr lang="pt-BR"/>
-          </a:p>
-        </p:txBody>
-      </p:sp>
-    </p:spTree>
-    <p:extLst>
-      <p:ext uri="{BB962C8B-B14F-4D97-AF65-F5344CB8AC3E}">
-        <p14:creationId xmlns:p14="http://schemas.microsoft.com/office/powerpoint/2010/main" val="80543803"/>
-      </p:ext>
-    </p:extLst>
-  </p:cSld>
-  <p:clrMapOvr>
-    <a:masterClrMapping/>
-  </p:clrMapOvr>
-</p:notes>
-</file>
-
 <file path=ppt/slideLayouts/slideLayout1.xml><?xml version="1.0" encoding="utf-8"?>
 <p:sldLayout xmlns:a="http://schemas.openxmlformats.org/drawingml/2006/main" xmlns:r="http://schemas.openxmlformats.org/officeDocument/2006/relationships" xmlns:p="http://schemas.openxmlformats.org/presentationml/2006/main" type="title" preserve="1">
   <p:cSld name="Slide de Título">
@@ -709,7 +624,7 @@
           <a:p>
             <a:fld id="{207BBCD2-246A-4B45-A7A8-EF476F40A67E}" type="datetimeFigureOut">
               <a:rPr lang="pt-BR" smtClean="0"/>
-              <a:t>28/06/2019</a:t>
+              <a:t>02/07/2019</a:t>
             </a:fld>
             <a:endParaRPr lang="pt-BR"/>
           </a:p>
@@ -879,7 +794,7 @@
           <a:p>
             <a:fld id="{207BBCD2-246A-4B45-A7A8-EF476F40A67E}" type="datetimeFigureOut">
               <a:rPr lang="pt-BR" smtClean="0"/>
-              <a:t>28/06/2019</a:t>
+              <a:t>02/07/2019</a:t>
             </a:fld>
             <a:endParaRPr lang="pt-BR"/>
           </a:p>
@@ -1059,7 +974,7 @@
           <a:p>
             <a:fld id="{207BBCD2-246A-4B45-A7A8-EF476F40A67E}" type="datetimeFigureOut">
               <a:rPr lang="pt-BR" smtClean="0"/>
-              <a:t>28/06/2019</a:t>
+              <a:t>02/07/2019</a:t>
             </a:fld>
             <a:endParaRPr lang="pt-BR"/>
           </a:p>
@@ -1259,7 +1174,7 @@
           <a:p>
             <a:fld id="{207BBCD2-246A-4B45-A7A8-EF476F40A67E}" type="datetimeFigureOut">
               <a:rPr lang="pt-BR" smtClean="0"/>
-              <a:t>28/06/2019</a:t>
+              <a:t>02/07/2019</a:t>
             </a:fld>
             <a:endParaRPr lang="pt-BR"/>
           </a:p>
@@ -1470,7 +1385,7 @@
           <a:p>
             <a:fld id="{207BBCD2-246A-4B45-A7A8-EF476F40A67E}" type="datetimeFigureOut">
               <a:rPr lang="pt-BR" smtClean="0"/>
-              <a:t>28/06/2019</a:t>
+              <a:t>02/07/2019</a:t>
             </a:fld>
             <a:endParaRPr lang="pt-BR"/>
           </a:p>
@@ -1749,7 +1664,7 @@
           <a:p>
             <a:fld id="{207BBCD2-246A-4B45-A7A8-EF476F40A67E}" type="datetimeFigureOut">
               <a:rPr lang="pt-BR" smtClean="0"/>
-              <a:t>28/06/2019</a:t>
+              <a:t>02/07/2019</a:t>
             </a:fld>
             <a:endParaRPr lang="pt-BR"/>
           </a:p>
@@ -2017,7 +1932,7 @@
           <a:p>
             <a:fld id="{207BBCD2-246A-4B45-A7A8-EF476F40A67E}" type="datetimeFigureOut">
               <a:rPr lang="pt-BR" smtClean="0"/>
-              <a:t>28/06/2019</a:t>
+              <a:t>02/07/2019</a:t>
             </a:fld>
             <a:endParaRPr lang="pt-BR"/>
           </a:p>
@@ -2433,7 +2348,7 @@
           <a:p>
             <a:fld id="{207BBCD2-246A-4B45-A7A8-EF476F40A67E}" type="datetimeFigureOut">
               <a:rPr lang="pt-BR" smtClean="0"/>
-              <a:t>28/06/2019</a:t>
+              <a:t>02/07/2019</a:t>
             </a:fld>
             <a:endParaRPr lang="pt-BR"/>
           </a:p>
@@ -2582,7 +2497,7 @@
           <a:p>
             <a:fld id="{207BBCD2-246A-4B45-A7A8-EF476F40A67E}" type="datetimeFigureOut">
               <a:rPr lang="pt-BR" smtClean="0"/>
-              <a:t>28/06/2019</a:t>
+              <a:t>02/07/2019</a:t>
             </a:fld>
             <a:endParaRPr lang="pt-BR"/>
           </a:p>
@@ -2708,7 +2623,7 @@
           <a:p>
             <a:fld id="{207BBCD2-246A-4B45-A7A8-EF476F40A67E}" type="datetimeFigureOut">
               <a:rPr lang="pt-BR" smtClean="0"/>
-              <a:t>28/06/2019</a:t>
+              <a:t>02/07/2019</a:t>
             </a:fld>
             <a:endParaRPr lang="pt-BR"/>
           </a:p>
@@ -2959,7 +2874,7 @@
           <a:p>
             <a:fld id="{207BBCD2-246A-4B45-A7A8-EF476F40A67E}" type="datetimeFigureOut">
               <a:rPr lang="pt-BR" smtClean="0"/>
-              <a:t>28/06/2019</a:t>
+              <a:t>02/07/2019</a:t>
             </a:fld>
             <a:endParaRPr lang="pt-BR"/>
           </a:p>
@@ -3160,7 +3075,7 @@
           <a:p>
             <a:fld id="{207BBCD2-246A-4B45-A7A8-EF476F40A67E}" type="datetimeFigureOut">
               <a:rPr lang="pt-BR" smtClean="0"/>
-              <a:t>28/06/2019</a:t>
+              <a:t>02/07/2019</a:t>
             </a:fld>
             <a:endParaRPr lang="pt-BR"/>
           </a:p>
@@ -3574,7 +3489,7 @@
           <a:p>
             <a:fld id="{207BBCD2-246A-4B45-A7A8-EF476F40A67E}" type="datetimeFigureOut">
               <a:rPr lang="pt-BR" smtClean="0"/>
-              <a:t>28/06/2019</a:t>
+              <a:t>02/07/2019</a:t>
             </a:fld>
             <a:endParaRPr lang="pt-BR"/>
           </a:p>
@@ -3780,7 +3695,7 @@
           <a:p>
             <a:fld id="{207BBCD2-246A-4B45-A7A8-EF476F40A67E}" type="datetimeFigureOut">
               <a:rPr lang="pt-BR" smtClean="0"/>
-              <a:t>28/06/2019</a:t>
+              <a:t>02/07/2019</a:t>
             </a:fld>
             <a:endParaRPr lang="pt-BR"/>
           </a:p>
@@ -3995,7 +3910,7 @@
           <a:p>
             <a:fld id="{207BBCD2-246A-4B45-A7A8-EF476F40A67E}" type="datetimeFigureOut">
               <a:rPr lang="pt-BR" smtClean="0"/>
-              <a:t>28/06/2019</a:t>
+              <a:t>02/07/2019</a:t>
             </a:fld>
             <a:endParaRPr lang="pt-BR"/>
           </a:p>
@@ -4277,7 +4192,7 @@
           <a:p>
             <a:fld id="{207BBCD2-246A-4B45-A7A8-EF476F40A67E}" type="datetimeFigureOut">
               <a:rPr lang="pt-BR" smtClean="0"/>
-              <a:t>28/06/2019</a:t>
+              <a:t>02/07/2019</a:t>
             </a:fld>
             <a:endParaRPr lang="pt-BR"/>
           </a:p>
@@ -4509,7 +4424,7 @@
           <a:p>
             <a:fld id="{207BBCD2-246A-4B45-A7A8-EF476F40A67E}" type="datetimeFigureOut">
               <a:rPr lang="pt-BR" smtClean="0"/>
-              <a:t>28/06/2019</a:t>
+              <a:t>02/07/2019</a:t>
             </a:fld>
             <a:endParaRPr lang="pt-BR"/>
           </a:p>
@@ -4856,7 +4771,7 @@
           <a:p>
             <a:fld id="{207BBCD2-246A-4B45-A7A8-EF476F40A67E}" type="datetimeFigureOut">
               <a:rPr lang="pt-BR" smtClean="0"/>
-              <a:t>28/06/2019</a:t>
+              <a:t>02/07/2019</a:t>
             </a:fld>
             <a:endParaRPr lang="pt-BR"/>
           </a:p>
@@ -4974,7 +4889,7 @@
           <a:p>
             <a:fld id="{207BBCD2-246A-4B45-A7A8-EF476F40A67E}" type="datetimeFigureOut">
               <a:rPr lang="pt-BR" smtClean="0"/>
-              <a:t>28/06/2019</a:t>
+              <a:t>02/07/2019</a:t>
             </a:fld>
             <a:endParaRPr lang="pt-BR"/>
           </a:p>
@@ -5092,7 +5007,7 @@
           <a:p>
             <a:fld id="{207BBCD2-246A-4B45-A7A8-EF476F40A67E}" type="datetimeFigureOut">
               <a:rPr lang="pt-BR" smtClean="0"/>
-              <a:t>28/06/2019</a:t>
+              <a:t>02/07/2019</a:t>
             </a:fld>
             <a:endParaRPr lang="pt-BR"/>
           </a:p>
@@ -5376,7 +5291,7 @@
           <a:p>
             <a:fld id="{207BBCD2-246A-4B45-A7A8-EF476F40A67E}" type="datetimeFigureOut">
               <a:rPr lang="pt-BR" smtClean="0"/>
-              <a:t>28/06/2019</a:t>
+              <a:t>02/07/2019</a:t>
             </a:fld>
             <a:endParaRPr lang="pt-BR"/>
           </a:p>
@@ -5640,7 +5555,7 @@
           <a:p>
             <a:fld id="{207BBCD2-246A-4B45-A7A8-EF476F40A67E}" type="datetimeFigureOut">
               <a:rPr lang="pt-BR" smtClean="0"/>
-              <a:t>28/06/2019</a:t>
+              <a:t>02/07/2019</a:t>
             </a:fld>
             <a:endParaRPr lang="pt-BR"/>
           </a:p>
@@ -5854,7 +5769,7 @@
           <a:p>
             <a:fld id="{207BBCD2-246A-4B45-A7A8-EF476F40A67E}" type="datetimeFigureOut">
               <a:rPr lang="pt-BR" smtClean="0"/>
-              <a:t>28/06/2019</a:t>
+              <a:t>02/07/2019</a:t>
             </a:fld>
             <a:endParaRPr lang="pt-BR"/>
           </a:p>
@@ -6460,7 +6375,7 @@
           <a:p>
             <a:fld id="{207BBCD2-246A-4B45-A7A8-EF476F40A67E}" type="datetimeFigureOut">
               <a:rPr lang="pt-BR" smtClean="0"/>
-              <a:t>28/06/2019</a:t>
+              <a:t>02/07/2019</a:t>
             </a:fld>
             <a:endParaRPr lang="pt-BR"/>
           </a:p>
@@ -6984,7 +6899,7 @@
           <a:p>
             <a:r>
               <a:rPr lang="pt-BR" dirty="0"/>
-              <a:t>Problema de Fluxo a Custo Mínimo</a:t>
+              <a:t>Problema de Fluxo Máximo a Custo Mínimo</a:t>
             </a:r>
           </a:p>
         </p:txBody>
@@ -7039,233 +6954,6 @@
 </file>
 
 <file path=ppt/slides/slide10.xml><?xml version="1.0" encoding="utf-8"?>
-<p:sld xmlns:a="http://schemas.openxmlformats.org/drawingml/2006/main" xmlns:r="http://schemas.openxmlformats.org/officeDocument/2006/relationships" xmlns:p="http://schemas.openxmlformats.org/presentationml/2006/main">
-  <p:cSld>
-    <p:spTree>
-      <p:nvGrpSpPr>
-        <p:cNvPr id="1" name=""/>
-        <p:cNvGrpSpPr/>
-        <p:nvPr/>
-      </p:nvGrpSpPr>
-      <p:grpSpPr>
-        <a:xfrm>
-          <a:off x="0" y="0"/>
-          <a:ext cx="0" cy="0"/>
-          <a:chOff x="0" y="0"/>
-          <a:chExt cx="0" cy="0"/>
-        </a:xfrm>
-      </p:grpSpPr>
-      <p:sp>
-        <p:nvSpPr>
-          <p:cNvPr id="2" name="Título 1">
-            <a:extLst>
-              <a:ext uri="{FF2B5EF4-FFF2-40B4-BE49-F238E27FC236}">
-                <a16:creationId xmlns:a16="http://schemas.microsoft.com/office/drawing/2014/main" id="{84B94C6B-EDC7-4DBB-97AB-AE41EE20E9DA}"/>
-              </a:ext>
-            </a:extLst>
-          </p:cNvPr>
-          <p:cNvSpPr>
-            <a:spLocks noGrp="1"/>
-          </p:cNvSpPr>
-          <p:nvPr>
-            <p:ph type="title"/>
-          </p:nvPr>
-        </p:nvSpPr>
-        <p:spPr/>
-        <p:txBody>
-          <a:bodyPr/>
-          <a:lstStyle/>
-          <a:p>
-            <a:r>
-              <a:rPr lang="pt-BR" dirty="0"/>
-              <a:t>Busca caminho mínimo:</a:t>
-            </a:r>
-          </a:p>
-        </p:txBody>
-      </p:sp>
-      <p:sp>
-        <p:nvSpPr>
-          <p:cNvPr id="3" name="Espaço Reservado para Conteúdo 2">
-            <a:extLst>
-              <a:ext uri="{FF2B5EF4-FFF2-40B4-BE49-F238E27FC236}">
-                <a16:creationId xmlns:a16="http://schemas.microsoft.com/office/drawing/2014/main" id="{F33A64C9-3E88-41CC-9ADE-094357E350B9}"/>
-              </a:ext>
-            </a:extLst>
-          </p:cNvPr>
-          <p:cNvSpPr>
-            <a:spLocks noGrp="1"/>
-          </p:cNvSpPr>
-          <p:nvPr>
-            <p:ph idx="1"/>
-          </p:nvPr>
-        </p:nvSpPr>
-        <p:spPr>
-          <a:xfrm>
-            <a:off x="534573" y="2015732"/>
-            <a:ext cx="4965896" cy="3450613"/>
-          </a:xfrm>
-        </p:spPr>
-        <p:txBody>
-          <a:bodyPr>
-            <a:normAutofit fontScale="92500" lnSpcReduction="20000"/>
-          </a:bodyPr>
-          <a:lstStyle/>
-          <a:p>
-            <a:r>
-              <a:rPr lang="pt-BR" dirty="0">
-                <a:latin typeface="Arial" panose="020B0604020202020204" pitchFamily="34" charset="0"/>
-                <a:cs typeface="Arial" panose="020B0604020202020204" pitchFamily="34" charset="0"/>
-              </a:rPr>
-              <a:t>Estado Atual: Grafo Residual</a:t>
-            </a:r>
-          </a:p>
-          <a:p>
-            <a:r>
-              <a:rPr lang="pt-BR" dirty="0" err="1">
-                <a:latin typeface="Arial" panose="020B0604020202020204" pitchFamily="34" charset="0"/>
-                <a:cs typeface="Arial" panose="020B0604020202020204" pitchFamily="34" charset="0"/>
-              </a:rPr>
-              <a:t>fluxo_maximo</a:t>
-            </a:r>
-            <a:r>
-              <a:rPr lang="pt-BR" dirty="0">
-                <a:latin typeface="Arial" panose="020B0604020202020204" pitchFamily="34" charset="0"/>
-                <a:cs typeface="Arial" panose="020B0604020202020204" pitchFamily="34" charset="0"/>
-              </a:rPr>
-              <a:t> = 0</a:t>
-            </a:r>
-          </a:p>
-          <a:p>
-            <a:r>
-              <a:rPr lang="pt-BR" dirty="0" err="1">
-                <a:latin typeface="Arial" panose="020B0604020202020204" pitchFamily="34" charset="0"/>
-                <a:cs typeface="Arial" panose="020B0604020202020204" pitchFamily="34" charset="0"/>
-              </a:rPr>
-              <a:t>fluxo_caminho</a:t>
-            </a:r>
-            <a:r>
-              <a:rPr lang="pt-BR" dirty="0">
-                <a:latin typeface="Arial" panose="020B0604020202020204" pitchFamily="34" charset="0"/>
-                <a:cs typeface="Arial" panose="020B0604020202020204" pitchFamily="34" charset="0"/>
-              </a:rPr>
-              <a:t> = 7</a:t>
-            </a:r>
-          </a:p>
-          <a:p>
-            <a:r>
-              <a:rPr lang="pt-BR" dirty="0">
-                <a:latin typeface="Arial" panose="020B0604020202020204" pitchFamily="34" charset="0"/>
-                <a:cs typeface="Arial" panose="020B0604020202020204" pitchFamily="34" charset="0"/>
-              </a:rPr>
-              <a:t>π = [-1,0,0,0,1,1,2,6]</a:t>
-            </a:r>
-          </a:p>
-          <a:p>
-            <a:endParaRPr lang="pt-BR" dirty="0">
-              <a:latin typeface="Arial" panose="020B0604020202020204" pitchFamily="34" charset="0"/>
-              <a:cs typeface="Arial" panose="020B0604020202020204" pitchFamily="34" charset="0"/>
-            </a:endParaRPr>
-          </a:p>
-          <a:p>
-            <a:endParaRPr lang="pt-BR" dirty="0">
-              <a:latin typeface="Arial" panose="020B0604020202020204" pitchFamily="34" charset="0"/>
-              <a:cs typeface="Arial" panose="020B0604020202020204" pitchFamily="34" charset="0"/>
-            </a:endParaRPr>
-          </a:p>
-          <a:p>
-            <a:pPr marL="0" indent="0">
-              <a:buNone/>
-            </a:pPr>
-            <a:endParaRPr lang="pt-BR" dirty="0">
-              <a:latin typeface="Arial" panose="020B0604020202020204" pitchFamily="34" charset="0"/>
-              <a:cs typeface="Arial" panose="020B0604020202020204" pitchFamily="34" charset="0"/>
-            </a:endParaRPr>
-          </a:p>
-          <a:p>
-            <a:r>
-              <a:rPr lang="pt-BR" dirty="0" err="1">
-                <a:latin typeface="Arial" panose="020B0604020202020204" pitchFamily="34" charset="0"/>
-                <a:cs typeface="Arial" panose="020B0604020202020204" pitchFamily="34" charset="0"/>
-              </a:rPr>
-              <a:t>Obs</a:t>
-            </a:r>
-            <a:r>
-              <a:rPr lang="pt-BR" dirty="0">
-                <a:latin typeface="Arial" panose="020B0604020202020204" pitchFamily="34" charset="0"/>
-                <a:cs typeface="Arial" panose="020B0604020202020204" pitchFamily="34" charset="0"/>
-              </a:rPr>
-              <a:t>: </a:t>
-            </a:r>
-            <a:r>
-              <a:rPr lang="pt-BR" dirty="0" err="1">
-                <a:latin typeface="Arial" panose="020B0604020202020204" pitchFamily="34" charset="0"/>
-                <a:cs typeface="Arial" panose="020B0604020202020204" pitchFamily="34" charset="0"/>
-              </a:rPr>
-              <a:t>fc</a:t>
-            </a:r>
-            <a:r>
-              <a:rPr lang="pt-BR" dirty="0">
-                <a:latin typeface="Arial" panose="020B0604020202020204" pitchFamily="34" charset="0"/>
-                <a:cs typeface="Arial" panose="020B0604020202020204" pitchFamily="34" charset="0"/>
-              </a:rPr>
-              <a:t> será capacidade * custo</a:t>
-            </a:r>
-          </a:p>
-          <a:p>
-            <a:endParaRPr lang="pt-BR" dirty="0"/>
-          </a:p>
-        </p:txBody>
-      </p:sp>
-      <p:pic>
-        <p:nvPicPr>
-          <p:cNvPr id="9" name="Imagem 8">
-            <a:extLst>
-              <a:ext uri="{FF2B5EF4-FFF2-40B4-BE49-F238E27FC236}">
-                <a16:creationId xmlns:a16="http://schemas.microsoft.com/office/drawing/2014/main" id="{BF07E3CB-2D52-4D4E-A775-5D71923866E8}"/>
-              </a:ext>
-            </a:extLst>
-          </p:cNvPr>
-          <p:cNvPicPr>
-            <a:picLocks noChangeAspect="1"/>
-          </p:cNvPicPr>
-          <p:nvPr/>
-        </p:nvPicPr>
-        <p:blipFill>
-          <a:blip r:embed="rId2">
-            <a:extLst>
-              <a:ext uri="{28A0092B-C50C-407E-A947-70E740481C1C}">
-                <a14:useLocalDpi xmlns:a14="http://schemas.microsoft.com/office/drawing/2010/main" val="0"/>
-              </a:ext>
-            </a:extLst>
-          </a:blip>
-          <a:stretch>
-            <a:fillRect/>
-          </a:stretch>
-        </p:blipFill>
-        <p:spPr>
-          <a:xfrm>
-            <a:off x="5753686" y="1853754"/>
-            <a:ext cx="6438314" cy="4237181"/>
-          </a:xfrm>
-          <a:prstGeom prst="rect">
-            <a:avLst/>
-          </a:prstGeom>
-        </p:spPr>
-      </p:pic>
-    </p:spTree>
-    <p:extLst>
-      <p:ext uri="{BB962C8B-B14F-4D97-AF65-F5344CB8AC3E}">
-        <p14:creationId xmlns:p14="http://schemas.microsoft.com/office/powerpoint/2010/main" val="2831780984"/>
-      </p:ext>
-    </p:extLst>
-  </p:cSld>
-  <p:clrMapOvr>
-    <a:masterClrMapping/>
-  </p:clrMapOvr>
-</p:sld>
-</file>
-
-<file path=ppt/slides/slide11.xml><?xml version="1.0" encoding="utf-8"?>
 <p:sld xmlns:a="http://schemas.openxmlformats.org/drawingml/2006/main" xmlns:r="http://schemas.openxmlformats.org/officeDocument/2006/relationships" xmlns:p="http://schemas.openxmlformats.org/presentationml/2006/main">
   <p:cSld>
     <p:spTree>
@@ -7358,7 +7046,7 @@
 </p:sld>
 </file>
 
-<file path=ppt/slides/slide12.xml><?xml version="1.0" encoding="utf-8"?>
+<file path=ppt/slides/slide11.xml><?xml version="1.0" encoding="utf-8"?>
 <p:sld xmlns:a="http://schemas.openxmlformats.org/drawingml/2006/main" xmlns:r="http://schemas.openxmlformats.org/officeDocument/2006/relationships" xmlns:p="http://schemas.openxmlformats.org/presentationml/2006/main">
   <p:cSld>
     <p:spTree>
@@ -7484,7 +7172,7 @@
         </p:spPr>
         <p:txBody>
           <a:bodyPr vert="horz" lIns="91440" tIns="45720" rIns="91440" bIns="45720" rtlCol="0" anchor="t">
-            <a:normAutofit fontScale="92500" lnSpcReduction="20000"/>
+            <a:normAutofit/>
           </a:bodyPr>
           <a:lstStyle>
             <a:lvl1pPr marL="228600" indent="-228600" algn="l" defTabSz="914400" rtl="0" eaLnBrk="1" latinLnBrk="0" hangingPunct="1">
@@ -7768,34 +7456,13 @@
             </a:endParaRPr>
           </a:p>
           <a:p>
-            <a:r>
-              <a:rPr lang="pt-BR" dirty="0" err="1">
-                <a:latin typeface="Arial" panose="020B0604020202020204" pitchFamily="34" charset="0"/>
-                <a:cs typeface="Arial" panose="020B0604020202020204" pitchFamily="34" charset="0"/>
-              </a:rPr>
-              <a:t>Obs</a:t>
-            </a:r>
-            <a:r>
-              <a:rPr lang="pt-BR" dirty="0">
-                <a:latin typeface="Arial" panose="020B0604020202020204" pitchFamily="34" charset="0"/>
-                <a:cs typeface="Arial" panose="020B0604020202020204" pitchFamily="34" charset="0"/>
-              </a:rPr>
-              <a:t>: </a:t>
-            </a:r>
-            <a:r>
-              <a:rPr lang="pt-BR" dirty="0" err="1">
-                <a:latin typeface="Arial" panose="020B0604020202020204" pitchFamily="34" charset="0"/>
-                <a:cs typeface="Arial" panose="020B0604020202020204" pitchFamily="34" charset="0"/>
-              </a:rPr>
-              <a:t>fc</a:t>
-            </a:r>
-            <a:r>
-              <a:rPr lang="pt-BR" dirty="0">
-                <a:latin typeface="Arial" panose="020B0604020202020204" pitchFamily="34" charset="0"/>
-                <a:cs typeface="Arial" panose="020B0604020202020204" pitchFamily="34" charset="0"/>
-              </a:rPr>
-              <a:t> será capacidade * custo</a:t>
-            </a:r>
+            <a:pPr marL="0" indent="0">
+              <a:buNone/>
+            </a:pPr>
+            <a:endParaRPr lang="pt-BR" dirty="0">
+              <a:latin typeface="Arial" panose="020B0604020202020204" pitchFamily="34" charset="0"/>
+              <a:cs typeface="Arial" panose="020B0604020202020204" pitchFamily="34" charset="0"/>
+            </a:endParaRPr>
           </a:p>
           <a:p>
             <a:endParaRPr lang="pt-BR" dirty="0"/>
@@ -7851,7 +7518,7 @@
 </p:sld>
 </file>
 
-<file path=ppt/slides/slide13.xml><?xml version="1.0" encoding="utf-8"?>
+<file path=ppt/slides/slide12.xml><?xml version="1.0" encoding="utf-8"?>
 <p:sld xmlns:a="http://schemas.openxmlformats.org/drawingml/2006/main" xmlns:r="http://schemas.openxmlformats.org/officeDocument/2006/relationships" xmlns:p="http://schemas.openxmlformats.org/presentationml/2006/main">
   <p:cSld>
     <p:spTree>
@@ -7944,6 +7611,133 @@
 </p:sld>
 </file>
 
+<file path=ppt/slides/slide13.xml><?xml version="1.0" encoding="utf-8"?>
+<p:sld xmlns:a="http://schemas.openxmlformats.org/drawingml/2006/main" xmlns:r="http://schemas.openxmlformats.org/officeDocument/2006/relationships" xmlns:p="http://schemas.openxmlformats.org/presentationml/2006/main">
+  <p:cSld>
+    <p:spTree>
+      <p:nvGrpSpPr>
+        <p:cNvPr id="1" name=""/>
+        <p:cNvGrpSpPr/>
+        <p:nvPr/>
+      </p:nvGrpSpPr>
+      <p:grpSpPr>
+        <a:xfrm>
+          <a:off x="0" y="0"/>
+          <a:ext cx="0" cy="0"/>
+          <a:chOff x="0" y="0"/>
+          <a:chExt cx="0" cy="0"/>
+        </a:xfrm>
+      </p:grpSpPr>
+      <p:sp>
+        <p:nvSpPr>
+          <p:cNvPr id="2" name="Título 1">
+            <a:extLst>
+              <a:ext uri="{FF2B5EF4-FFF2-40B4-BE49-F238E27FC236}">
+                <a16:creationId xmlns:a16="http://schemas.microsoft.com/office/drawing/2014/main" id="{A774E26B-37AF-4A9C-A4C9-B10F7F7204AC}"/>
+              </a:ext>
+            </a:extLst>
+          </p:cNvPr>
+          <p:cNvSpPr>
+            <a:spLocks noGrp="1"/>
+          </p:cNvSpPr>
+          <p:nvPr>
+            <p:ph type="title"/>
+          </p:nvPr>
+        </p:nvSpPr>
+        <p:spPr/>
+        <p:txBody>
+          <a:bodyPr/>
+          <a:lstStyle/>
+          <a:p>
+            <a:r>
+              <a:rPr lang="pt-BR" dirty="0"/>
+              <a:t>Analise De Complexidade:</a:t>
+            </a:r>
+          </a:p>
+        </p:txBody>
+      </p:sp>
+      <p:sp>
+        <p:nvSpPr>
+          <p:cNvPr id="3" name="Espaço Reservado para Conteúdo 2">
+            <a:extLst>
+              <a:ext uri="{FF2B5EF4-FFF2-40B4-BE49-F238E27FC236}">
+                <a16:creationId xmlns:a16="http://schemas.microsoft.com/office/drawing/2014/main" id="{74DDEEDB-8BEA-43D5-BD9E-753453B2D895}"/>
+              </a:ext>
+            </a:extLst>
+          </p:cNvPr>
+          <p:cNvSpPr>
+            <a:spLocks noGrp="1"/>
+          </p:cNvSpPr>
+          <p:nvPr>
+            <p:ph idx="1"/>
+          </p:nvPr>
+        </p:nvSpPr>
+        <p:spPr/>
+        <p:txBody>
+          <a:bodyPr/>
+          <a:lstStyle/>
+          <a:p>
+            <a:r>
+              <a:rPr lang="pt-BR" dirty="0"/>
+              <a:t>A complexidade do algoritmo é dada por Ford-</a:t>
+            </a:r>
+            <a:r>
+              <a:rPr lang="pt-BR" dirty="0" err="1"/>
+              <a:t>Fulkerson</a:t>
+            </a:r>
+            <a:r>
+              <a:rPr lang="pt-BR" dirty="0"/>
+              <a:t> e </a:t>
+            </a:r>
+            <a:r>
+              <a:rPr lang="pt-BR" dirty="0" err="1"/>
+              <a:t>Dijkstra</a:t>
+            </a:r>
+            <a:r>
+              <a:rPr lang="pt-BR" dirty="0"/>
+              <a:t>:</a:t>
+            </a:r>
+          </a:p>
+          <a:p>
+            <a:r>
+              <a:rPr lang="pt-BR" dirty="0"/>
+              <a:t>Complexidade: Ford-</a:t>
+            </a:r>
+            <a:r>
+              <a:rPr lang="pt-BR" dirty="0" err="1"/>
+              <a:t>Fulkerson</a:t>
+            </a:r>
+            <a:r>
+              <a:rPr lang="pt-BR" dirty="0"/>
+              <a:t> * </a:t>
+            </a:r>
+            <a:r>
+              <a:rPr lang="pt-BR" dirty="0" err="1"/>
+              <a:t>Dijkstra</a:t>
+            </a:r>
+            <a:endParaRPr lang="pt-BR" dirty="0"/>
+          </a:p>
+          <a:p>
+            <a:r>
+              <a:rPr lang="pt-BR" dirty="0"/>
+              <a:t>Portanto: |A| * (|V|*|V|)</a:t>
+            </a:r>
+          </a:p>
+        </p:txBody>
+      </p:sp>
+    </p:spTree>
+    <p:extLst>
+      <p:ext uri="{BB962C8B-B14F-4D97-AF65-F5344CB8AC3E}">
+        <p14:creationId xmlns:p14="http://schemas.microsoft.com/office/powerpoint/2010/main" val="1876064500"/>
+      </p:ext>
+    </p:extLst>
+  </p:cSld>
+  <p:clrMapOvr>
+    <a:masterClrMapping/>
+  </p:clrMapOvr>
+</p:sld>
+</file>
+
 <file path=ppt/slides/slide14.xml><?xml version="1.0" encoding="utf-8"?>
 <p:sld xmlns:a="http://schemas.openxmlformats.org/drawingml/2006/main" xmlns:r="http://schemas.openxmlformats.org/officeDocument/2006/relationships" xmlns:p="http://schemas.openxmlformats.org/presentationml/2006/main">
   <p:cSld>
@@ -7966,133 +7760,6 @@
           <p:cNvPr id="2" name="Título 1">
             <a:extLst>
               <a:ext uri="{FF2B5EF4-FFF2-40B4-BE49-F238E27FC236}">
-                <a16:creationId xmlns:a16="http://schemas.microsoft.com/office/drawing/2014/main" id="{A774E26B-37AF-4A9C-A4C9-B10F7F7204AC}"/>
-              </a:ext>
-            </a:extLst>
-          </p:cNvPr>
-          <p:cNvSpPr>
-            <a:spLocks noGrp="1"/>
-          </p:cNvSpPr>
-          <p:nvPr>
-            <p:ph type="title"/>
-          </p:nvPr>
-        </p:nvSpPr>
-        <p:spPr/>
-        <p:txBody>
-          <a:bodyPr/>
-          <a:lstStyle/>
-          <a:p>
-            <a:r>
-              <a:rPr lang="pt-BR" dirty="0"/>
-              <a:t>Analise De Complexidade:</a:t>
-            </a:r>
-          </a:p>
-        </p:txBody>
-      </p:sp>
-      <p:sp>
-        <p:nvSpPr>
-          <p:cNvPr id="3" name="Espaço Reservado para Conteúdo 2">
-            <a:extLst>
-              <a:ext uri="{FF2B5EF4-FFF2-40B4-BE49-F238E27FC236}">
-                <a16:creationId xmlns:a16="http://schemas.microsoft.com/office/drawing/2014/main" id="{74DDEEDB-8BEA-43D5-BD9E-753453B2D895}"/>
-              </a:ext>
-            </a:extLst>
-          </p:cNvPr>
-          <p:cNvSpPr>
-            <a:spLocks noGrp="1"/>
-          </p:cNvSpPr>
-          <p:nvPr>
-            <p:ph idx="1"/>
-          </p:nvPr>
-        </p:nvSpPr>
-        <p:spPr/>
-        <p:txBody>
-          <a:bodyPr/>
-          <a:lstStyle/>
-          <a:p>
-            <a:r>
-              <a:rPr lang="pt-BR" dirty="0"/>
-              <a:t>A complexidade do algoritmo é dada por Ford-</a:t>
-            </a:r>
-            <a:r>
-              <a:rPr lang="pt-BR" dirty="0" err="1"/>
-              <a:t>Fulkerson</a:t>
-            </a:r>
-            <a:r>
-              <a:rPr lang="pt-BR" dirty="0"/>
-              <a:t> e </a:t>
-            </a:r>
-            <a:r>
-              <a:rPr lang="pt-BR" dirty="0" err="1"/>
-              <a:t>Dijkstra</a:t>
-            </a:r>
-            <a:r>
-              <a:rPr lang="pt-BR" dirty="0"/>
-              <a:t>:</a:t>
-            </a:r>
-          </a:p>
-          <a:p>
-            <a:r>
-              <a:rPr lang="pt-BR" dirty="0"/>
-              <a:t>Complexidade: Ford-</a:t>
-            </a:r>
-            <a:r>
-              <a:rPr lang="pt-BR" dirty="0" err="1"/>
-              <a:t>Fulkerson</a:t>
-            </a:r>
-            <a:r>
-              <a:rPr lang="pt-BR" dirty="0"/>
-              <a:t> * </a:t>
-            </a:r>
-            <a:r>
-              <a:rPr lang="pt-BR" dirty="0" err="1"/>
-              <a:t>Dijkstra</a:t>
-            </a:r>
-            <a:endParaRPr lang="pt-BR" dirty="0"/>
-          </a:p>
-          <a:p>
-            <a:r>
-              <a:rPr lang="pt-BR" dirty="0"/>
-              <a:t>Portanto: |A| * (|V|*|V|)</a:t>
-            </a:r>
-          </a:p>
-        </p:txBody>
-      </p:sp>
-    </p:spTree>
-    <p:extLst>
-      <p:ext uri="{BB962C8B-B14F-4D97-AF65-F5344CB8AC3E}">
-        <p14:creationId xmlns:p14="http://schemas.microsoft.com/office/powerpoint/2010/main" val="1876064500"/>
-      </p:ext>
-    </p:extLst>
-  </p:cSld>
-  <p:clrMapOvr>
-    <a:masterClrMapping/>
-  </p:clrMapOvr>
-</p:sld>
-</file>
-
-<file path=ppt/slides/slide15.xml><?xml version="1.0" encoding="utf-8"?>
-<p:sld xmlns:a="http://schemas.openxmlformats.org/drawingml/2006/main" xmlns:r="http://schemas.openxmlformats.org/officeDocument/2006/relationships" xmlns:p="http://schemas.openxmlformats.org/presentationml/2006/main">
-  <p:cSld>
-    <p:spTree>
-      <p:nvGrpSpPr>
-        <p:cNvPr id="1" name=""/>
-        <p:cNvGrpSpPr/>
-        <p:nvPr/>
-      </p:nvGrpSpPr>
-      <p:grpSpPr>
-        <a:xfrm>
-          <a:off x="0" y="0"/>
-          <a:ext cx="0" cy="0"/>
-          <a:chOff x="0" y="0"/>
-          <a:chExt cx="0" cy="0"/>
-        </a:xfrm>
-      </p:grpSpPr>
-      <p:sp>
-        <p:nvSpPr>
-          <p:cNvPr id="2" name="Título 1">
-            <a:extLst>
-              <a:ext uri="{FF2B5EF4-FFF2-40B4-BE49-F238E27FC236}">
                 <a16:creationId xmlns:a16="http://schemas.microsoft.com/office/drawing/2014/main" id="{139A2472-2AEC-4306-B324-C3DFBF9F713A}"/>
               </a:ext>
             </a:extLst>
@@ -8183,7 +7850,7 @@
 </p:sld>
 </file>
 
-<file path=ppt/slides/slide16.xml><?xml version="1.0" encoding="utf-8"?>
+<file path=ppt/slides/slide15.xml><?xml version="1.0" encoding="utf-8"?>
 <p:sld xmlns:a="http://schemas.openxmlformats.org/drawingml/2006/main" xmlns:r="http://schemas.openxmlformats.org/officeDocument/2006/relationships" xmlns:p="http://schemas.openxmlformats.org/presentationml/2006/main">
   <p:cSld>
     <p:spTree>
@@ -8622,7 +8289,7 @@
           <p:cNvPr id="2" name="Título 1">
             <a:extLst>
               <a:ext uri="{FF2B5EF4-FFF2-40B4-BE49-F238E27FC236}">
-                <a16:creationId xmlns:a16="http://schemas.microsoft.com/office/drawing/2014/main" id="{A5755F9F-CF49-4456-BA9D-3E05A939A53F}"/>
+                <a16:creationId xmlns:a16="http://schemas.microsoft.com/office/drawing/2014/main" id="{EE035CB9-9C0D-461F-A8CD-8DA5FD323167}"/>
               </a:ext>
             </a:extLst>
           </p:cNvPr>
@@ -8640,7 +8307,7 @@
           <a:p>
             <a:r>
               <a:rPr lang="pt-BR" dirty="0"/>
-              <a:t>Problema proposto:</a:t>
+              <a:t>Características:</a:t>
             </a:r>
           </a:p>
         </p:txBody>
@@ -8650,7 +8317,7 @@
           <p:cNvPr id="3" name="Espaço Reservado para Conteúdo 2">
             <a:extLst>
               <a:ext uri="{FF2B5EF4-FFF2-40B4-BE49-F238E27FC236}">
-                <a16:creationId xmlns:a16="http://schemas.microsoft.com/office/drawing/2014/main" id="{06128461-71C2-4900-9B89-3187C5E3DC7F}"/>
+                <a16:creationId xmlns:a16="http://schemas.microsoft.com/office/drawing/2014/main" id="{3EA9ACF0-7E6E-434D-B60A-576EF1B99AA8}"/>
               </a:ext>
             </a:extLst>
           </p:cNvPr>
@@ -8663,24 +8330,35 @@
         </p:nvSpPr>
         <p:spPr/>
         <p:txBody>
-          <a:bodyPr>
-            <a:normAutofit fontScale="85000" lnSpcReduction="10000"/>
-          </a:bodyPr>
+          <a:bodyPr/>
           <a:lstStyle/>
           <a:p>
             <a:r>
               <a:rPr lang="pt-BR" dirty="0"/>
-              <a:t>O objetivo desse trabalho é encontrar dentre os fluxos máximos o de menor custo final.</a:t>
-            </a:r>
-          </a:p>
-          <a:p>
-            <a:endParaRPr lang="pt-BR" dirty="0"/>
-          </a:p>
-          <a:p>
-            <a:endParaRPr lang="pt-BR" dirty="0"/>
-          </a:p>
-          <a:p>
-            <a:endParaRPr lang="pt-BR" dirty="0"/>
+              <a:t>Para podermos aplicar o algoritmo são necessárias algumas características:</a:t>
+            </a:r>
+          </a:p>
+          <a:p>
+            <a:r>
+              <a:rPr lang="pt-BR" dirty="0"/>
+              <a:t>Não haver custo negativo após aplicada a função de custo(</a:t>
+            </a:r>
+            <a:r>
+              <a:rPr lang="pt-BR" dirty="0" err="1"/>
+              <a:t>fc</a:t>
+            </a:r>
+            <a:r>
+              <a:rPr lang="pt-BR" dirty="0"/>
+              <a:t>), para utilizar </a:t>
+            </a:r>
+            <a:r>
+              <a:rPr lang="pt-BR" dirty="0" err="1"/>
+              <a:t>Dijkstra</a:t>
+            </a:r>
+            <a:r>
+              <a:rPr lang="pt-BR" dirty="0"/>
+              <a:t>;</a:t>
+            </a:r>
           </a:p>
           <a:p>
             <a:r>
@@ -8689,30 +8367,23 @@
             </a:r>
             <a:r>
               <a:rPr lang="pt-BR" dirty="0"/>
-              <a:t>:</a:t>
-            </a:r>
-          </a:p>
-          <a:p>
+              <a:t>: Caso o algoritmo de caminho mínimo mude para </a:t>
+            </a:r>
+            <a:r>
+              <a:rPr lang="pt-BR" dirty="0" err="1"/>
+              <a:t>Bellman</a:t>
+            </a:r>
             <a:r>
               <a:rPr lang="pt-BR" dirty="0"/>
-              <a:t> Se o limite de capacidade for removido, o problema é reduzido ao problema de caminho mínimo</a:t>
-            </a:r>
-          </a:p>
-          <a:p>
-            <a:r>
-              <a:rPr lang="pt-BR" dirty="0"/>
-              <a:t>Se todos os custos forem definidos como sendo zero, o problema é reduzido para o maior fluxo.</a:t>
-            </a:r>
-          </a:p>
-          <a:p>
-            <a:endParaRPr lang="pt-BR" dirty="0"/>
+              <a:t>-Ford não há a restrição sobre o valor em cada aresta.</a:t>
+            </a:r>
           </a:p>
         </p:txBody>
       </p:sp>
     </p:spTree>
     <p:extLst>
       <p:ext uri="{BB962C8B-B14F-4D97-AF65-F5344CB8AC3E}">
-        <p14:creationId xmlns:p14="http://schemas.microsoft.com/office/powerpoint/2010/main" val="3469389574"/>
+        <p14:creationId xmlns:p14="http://schemas.microsoft.com/office/powerpoint/2010/main" val="374274795"/>
       </p:ext>
     </p:extLst>
   </p:cSld>
@@ -8744,7 +8415,7 @@
           <p:cNvPr id="2" name="Título 1">
             <a:extLst>
               <a:ext uri="{FF2B5EF4-FFF2-40B4-BE49-F238E27FC236}">
-                <a16:creationId xmlns:a16="http://schemas.microsoft.com/office/drawing/2014/main" id="{EE035CB9-9C0D-461F-A8CD-8DA5FD323167}"/>
+                <a16:creationId xmlns:a16="http://schemas.microsoft.com/office/drawing/2014/main" id="{58A512DF-3430-438A-9E5D-9528ADC4F38A}"/>
               </a:ext>
             </a:extLst>
           </p:cNvPr>
@@ -8762,7 +8433,7 @@
           <a:p>
             <a:r>
               <a:rPr lang="pt-BR" dirty="0"/>
-              <a:t>Características:</a:t>
+              <a:t>Pré-Requisitos para algoritmo:</a:t>
             </a:r>
           </a:p>
         </p:txBody>
@@ -8772,7 +8443,7 @@
           <p:cNvPr id="3" name="Espaço Reservado para Conteúdo 2">
             <a:extLst>
               <a:ext uri="{FF2B5EF4-FFF2-40B4-BE49-F238E27FC236}">
-                <a16:creationId xmlns:a16="http://schemas.microsoft.com/office/drawing/2014/main" id="{3EA9ACF0-7E6E-434D-B60A-576EF1B99AA8}"/>
+                <a16:creationId xmlns:a16="http://schemas.microsoft.com/office/drawing/2014/main" id="{A9195531-1BC1-4622-83EB-599EF00D3DAB}"/>
               </a:ext>
             </a:extLst>
           </p:cNvPr>
@@ -8790,13 +8461,25 @@
           <a:p>
             <a:r>
               <a:rPr lang="pt-BR" dirty="0"/>
-              <a:t>Para podermos aplicar o algoritmo são necessárias algumas características:</a:t>
+              <a:t>O algoritmo para ser executado necessita de ter as seguintes informações:</a:t>
             </a:r>
           </a:p>
           <a:p>
             <a:r>
               <a:rPr lang="pt-BR" dirty="0"/>
-              <a:t>Não haver custo negativo após aplicada a função de custo(</a:t>
+              <a:t>Vértice Produtor(s) e Vértice Consumidor(t)</a:t>
+            </a:r>
+          </a:p>
+          <a:p>
+            <a:r>
+              <a:rPr lang="pt-BR" dirty="0"/>
+              <a:t>Grafo com informações de capacidade e custo nas arestas(G)</a:t>
+            </a:r>
+          </a:p>
+          <a:p>
+            <a:r>
+              <a:rPr lang="pt-BR" dirty="0"/>
+              <a:t>Função de custo para instancia atual(</a:t>
             </a:r>
             <a:r>
               <a:rPr lang="pt-BR" dirty="0" err="1"/>
@@ -8804,33 +8487,21 @@
             </a:r>
             <a:r>
               <a:rPr lang="pt-BR" dirty="0"/>
-              <a:t>), para utilizar </a:t>
+              <a:t>).</a:t>
+            </a:r>
+          </a:p>
+          <a:p>
+            <a:r>
+              <a:rPr lang="pt-BR" dirty="0"/>
+              <a:t>Um valor de fluxo a ser passado pelo grafo(</a:t>
             </a:r>
             <a:r>
               <a:rPr lang="pt-BR" dirty="0" err="1"/>
-              <a:t>Dijkstra</a:t>
+              <a:t>fl</a:t>
             </a:r>
             <a:r>
               <a:rPr lang="pt-BR" dirty="0"/>
-              <a:t>;</a:t>
-            </a:r>
-          </a:p>
-          <a:p>
-            <a:r>
-              <a:rPr lang="pt-BR" dirty="0" err="1"/>
-              <a:t>Obs</a:t>
-            </a:r>
-            <a:r>
-              <a:rPr lang="pt-BR" dirty="0"/>
-              <a:t>: Caso o algoritmo de caminho mínimo mude para </a:t>
-            </a:r>
-            <a:r>
-              <a:rPr lang="pt-BR" dirty="0" err="1"/>
-              <a:t>Bellman</a:t>
-            </a:r>
-            <a:r>
-              <a:rPr lang="pt-BR" dirty="0"/>
-              <a:t>-Ford, então a restrição passa a ser de não haver ciclos de custo negativo.</a:t>
+              <a:t>)</a:t>
             </a:r>
           </a:p>
         </p:txBody>
@@ -8838,7 +8509,7 @@
     </p:spTree>
     <p:extLst>
       <p:ext uri="{BB962C8B-B14F-4D97-AF65-F5344CB8AC3E}">
-        <p14:creationId xmlns:p14="http://schemas.microsoft.com/office/powerpoint/2010/main" val="374274795"/>
+        <p14:creationId xmlns:p14="http://schemas.microsoft.com/office/powerpoint/2010/main" val="1613518697"/>
       </p:ext>
     </p:extLst>
   </p:cSld>
@@ -8870,7 +8541,7 @@
           <p:cNvPr id="2" name="Título 1">
             <a:extLst>
               <a:ext uri="{FF2B5EF4-FFF2-40B4-BE49-F238E27FC236}">
-                <a16:creationId xmlns:a16="http://schemas.microsoft.com/office/drawing/2014/main" id="{58A512DF-3430-438A-9E5D-9528ADC4F38A}"/>
+                <a16:creationId xmlns:a16="http://schemas.microsoft.com/office/drawing/2014/main" id="{2F6A7636-A4A4-4208-B1CD-6E1350B9428F}"/>
               </a:ext>
             </a:extLst>
           </p:cNvPr>
@@ -8888,8 +8559,12 @@
           <a:p>
             <a:r>
               <a:rPr lang="pt-BR" dirty="0"/>
-              <a:t>Pré-Requisitos para algoritmo:</a:t>
-            </a:r>
+              <a:t>Algoritmo:</a:t>
+            </a:r>
+            <a:br>
+              <a:rPr lang="pt-BR" dirty="0"/>
+            </a:br>
+            <a:endParaRPr lang="pt-BR" dirty="0"/>
           </a:p>
         </p:txBody>
       </p:sp>
@@ -8898,7 +8573,7 @@
           <p:cNvPr id="3" name="Espaço Reservado para Conteúdo 2">
             <a:extLst>
               <a:ext uri="{FF2B5EF4-FFF2-40B4-BE49-F238E27FC236}">
-                <a16:creationId xmlns:a16="http://schemas.microsoft.com/office/drawing/2014/main" id="{A9195531-1BC1-4622-83EB-599EF00D3DAB}"/>
+                <a16:creationId xmlns:a16="http://schemas.microsoft.com/office/drawing/2014/main" id="{B77EE072-E878-4C2F-8EF0-539071757DFF}"/>
               </a:ext>
             </a:extLst>
           </p:cNvPr>
@@ -8916,55 +8591,74 @@
           <a:p>
             <a:r>
               <a:rPr lang="pt-BR" dirty="0"/>
-              <a:t>O algoritmo para ser executado necessita de ter as seguintes informações:</a:t>
-            </a:r>
-          </a:p>
-          <a:p>
+              <a:t>1º passo:</a:t>
+            </a:r>
+          </a:p>
+          <a:p>
+            <a:pPr lvl="1"/>
             <a:r>
               <a:rPr lang="pt-BR" dirty="0"/>
-              <a:t>Vértice Produtor(s) e Vértice Consumidor(t)</a:t>
-            </a:r>
-          </a:p>
-          <a:p>
+              <a:t>Inicializar capacidade de atual como a capacidade total da aresta.</a:t>
+            </a:r>
+          </a:p>
+          <a:p>
+            <a:pPr lvl="1"/>
             <a:r>
               <a:rPr lang="pt-BR" dirty="0"/>
-              <a:t>Grafo com informações de capacidade e custo nas arestas(G)</a:t>
+              <a:t>Definir o Grafo Residual(Gr), o vetor de pais(pais) em estado inicial</a:t>
             </a:r>
           </a:p>
           <a:p>
             <a:r>
               <a:rPr lang="pt-BR" dirty="0"/>
-              <a:t>Função de custo para instancia atual(</a:t>
+              <a:t>2º passo:</a:t>
+            </a:r>
+          </a:p>
+          <a:p>
+            <a:pPr lvl="1"/>
+            <a:r>
+              <a:rPr lang="pt-BR" dirty="0"/>
+              <a:t>Verificar se existe caminho de aumento de custo mínimo(p) em Gr</a:t>
+            </a:r>
+          </a:p>
+          <a:p>
+            <a:pPr lvl="2"/>
+            <a:r>
+              <a:rPr lang="pt-BR" dirty="0"/>
+              <a:t>O caminho será dado por uma aplicação do algoritmo de </a:t>
             </a:r>
             <a:r>
               <a:rPr lang="pt-BR" dirty="0" err="1"/>
-              <a:t>fc</a:t>
+              <a:t>Dijkstra</a:t>
             </a:r>
             <a:r>
               <a:rPr lang="pt-BR" dirty="0"/>
-              <a:t>).</a:t>
-            </a:r>
-          </a:p>
-          <a:p>
+              <a:t>.</a:t>
+            </a:r>
+          </a:p>
+          <a:p>
+            <a:pPr lvl="1"/>
             <a:r>
               <a:rPr lang="pt-BR" dirty="0"/>
-              <a:t>Um valor de fluxo a ser passado pelo grafo(</a:t>
-            </a:r>
-            <a:r>
-              <a:rPr lang="pt-BR" dirty="0" err="1"/>
-              <a:t>fl</a:t>
-            </a:r>
+              <a:t>Subtrair a fluxo máximo desse caminho da capacidade atual de cada aresta do caminho.</a:t>
+            </a:r>
+          </a:p>
+          <a:p>
+            <a:pPr lvl="1"/>
             <a:r>
               <a:rPr lang="pt-BR" dirty="0"/>
-              <a:t>)</a:t>
-            </a:r>
+              <a:t>Atualizar Grafo Residual.</a:t>
+            </a:r>
+          </a:p>
+          <a:p>
+            <a:endParaRPr lang="pt-BR" dirty="0"/>
           </a:p>
         </p:txBody>
       </p:sp>
     </p:spTree>
     <p:extLst>
       <p:ext uri="{BB962C8B-B14F-4D97-AF65-F5344CB8AC3E}">
-        <p14:creationId xmlns:p14="http://schemas.microsoft.com/office/powerpoint/2010/main" val="1613518697"/>
+        <p14:creationId xmlns:p14="http://schemas.microsoft.com/office/powerpoint/2010/main" val="2016515051"/>
       </p:ext>
     </p:extLst>
   </p:cSld>
@@ -8996,155 +8690,6 @@
           <p:cNvPr id="2" name="Título 1">
             <a:extLst>
               <a:ext uri="{FF2B5EF4-FFF2-40B4-BE49-F238E27FC236}">
-                <a16:creationId xmlns:a16="http://schemas.microsoft.com/office/drawing/2014/main" id="{2F6A7636-A4A4-4208-B1CD-6E1350B9428F}"/>
-              </a:ext>
-            </a:extLst>
-          </p:cNvPr>
-          <p:cNvSpPr>
-            <a:spLocks noGrp="1"/>
-          </p:cNvSpPr>
-          <p:nvPr>
-            <p:ph type="title"/>
-          </p:nvPr>
-        </p:nvSpPr>
-        <p:spPr/>
-        <p:txBody>
-          <a:bodyPr/>
-          <a:lstStyle/>
-          <a:p>
-            <a:r>
-              <a:rPr lang="pt-BR" dirty="0"/>
-              <a:t>Algoritmo:</a:t>
-            </a:r>
-            <a:br>
-              <a:rPr lang="pt-BR" dirty="0"/>
-            </a:br>
-            <a:endParaRPr lang="pt-BR" dirty="0"/>
-          </a:p>
-        </p:txBody>
-      </p:sp>
-      <p:sp>
-        <p:nvSpPr>
-          <p:cNvPr id="3" name="Espaço Reservado para Conteúdo 2">
-            <a:extLst>
-              <a:ext uri="{FF2B5EF4-FFF2-40B4-BE49-F238E27FC236}">
-                <a16:creationId xmlns:a16="http://schemas.microsoft.com/office/drawing/2014/main" id="{B77EE072-E878-4C2F-8EF0-539071757DFF}"/>
-              </a:ext>
-            </a:extLst>
-          </p:cNvPr>
-          <p:cNvSpPr>
-            <a:spLocks noGrp="1"/>
-          </p:cNvSpPr>
-          <p:nvPr>
-            <p:ph idx="1"/>
-          </p:nvPr>
-        </p:nvSpPr>
-        <p:spPr/>
-        <p:txBody>
-          <a:bodyPr/>
-          <a:lstStyle/>
-          <a:p>
-            <a:r>
-              <a:rPr lang="pt-BR" dirty="0"/>
-              <a:t>1º passo:</a:t>
-            </a:r>
-          </a:p>
-          <a:p>
-            <a:pPr lvl="1"/>
-            <a:r>
-              <a:rPr lang="pt-BR" dirty="0"/>
-              <a:t>Inicializar capacidade de atual como a capacidade total da aresta.</a:t>
-            </a:r>
-          </a:p>
-          <a:p>
-            <a:pPr lvl="1"/>
-            <a:r>
-              <a:rPr lang="pt-BR" dirty="0"/>
-              <a:t>Definir o Grafo Residual(Gr), o vetor de pais(pais) em estado inicial</a:t>
-            </a:r>
-          </a:p>
-          <a:p>
-            <a:r>
-              <a:rPr lang="pt-BR" dirty="0"/>
-              <a:t>2º passo:</a:t>
-            </a:r>
-          </a:p>
-          <a:p>
-            <a:pPr lvl="1"/>
-            <a:r>
-              <a:rPr lang="pt-BR" dirty="0"/>
-              <a:t>Verificar se existe caminho de aumento de custo mínimo(p) em Gr</a:t>
-            </a:r>
-          </a:p>
-          <a:p>
-            <a:pPr lvl="2"/>
-            <a:r>
-              <a:rPr lang="pt-BR" dirty="0"/>
-              <a:t>O caminho será dado por uma aplicação do algoritmo de </a:t>
-            </a:r>
-            <a:r>
-              <a:rPr lang="pt-BR" dirty="0" err="1"/>
-              <a:t>Dijkstra</a:t>
-            </a:r>
-            <a:r>
-              <a:rPr lang="pt-BR" dirty="0"/>
-              <a:t>.</a:t>
-            </a:r>
-          </a:p>
-          <a:p>
-            <a:pPr lvl="1"/>
-            <a:r>
-              <a:rPr lang="pt-BR" dirty="0"/>
-              <a:t>Subtrair a fluxo máximo desse caminho da capacidade atual de cada aresta do caminho.</a:t>
-            </a:r>
-          </a:p>
-          <a:p>
-            <a:pPr lvl="1"/>
-            <a:r>
-              <a:rPr lang="pt-BR" dirty="0"/>
-              <a:t>Atualizar Grafo Residual.</a:t>
-            </a:r>
-          </a:p>
-          <a:p>
-            <a:endParaRPr lang="pt-BR" dirty="0"/>
-          </a:p>
-        </p:txBody>
-      </p:sp>
-    </p:spTree>
-    <p:extLst>
-      <p:ext uri="{BB962C8B-B14F-4D97-AF65-F5344CB8AC3E}">
-        <p14:creationId xmlns:p14="http://schemas.microsoft.com/office/powerpoint/2010/main" val="2016515051"/>
-      </p:ext>
-    </p:extLst>
-  </p:cSld>
-  <p:clrMapOvr>
-    <a:masterClrMapping/>
-  </p:clrMapOvr>
-</p:sld>
-</file>
-
-<file path=ppt/slides/slide8.xml><?xml version="1.0" encoding="utf-8"?>
-<p:sld xmlns:a="http://schemas.openxmlformats.org/drawingml/2006/main" xmlns:r="http://schemas.openxmlformats.org/officeDocument/2006/relationships" xmlns:p="http://schemas.openxmlformats.org/presentationml/2006/main">
-  <p:cSld>
-    <p:spTree>
-      <p:nvGrpSpPr>
-        <p:cNvPr id="1" name=""/>
-        <p:cNvGrpSpPr/>
-        <p:nvPr/>
-      </p:nvGrpSpPr>
-      <p:grpSpPr>
-        <a:xfrm>
-          <a:off x="0" y="0"/>
-          <a:ext cx="0" cy="0"/>
-          <a:chOff x="0" y="0"/>
-          <a:chExt cx="0" cy="0"/>
-        </a:xfrm>
-      </p:grpSpPr>
-      <p:sp>
-        <p:nvSpPr>
-          <p:cNvPr id="2" name="Título 1">
-            <a:extLst>
-              <a:ext uri="{FF2B5EF4-FFF2-40B4-BE49-F238E27FC236}">
                 <a16:creationId xmlns:a16="http://schemas.microsoft.com/office/drawing/2014/main" id="{15BA8010-A20A-4494-843C-7E8BDFFB6056}"/>
               </a:ext>
             </a:extLst>
@@ -9376,7 +8921,7 @@
 </p:sld>
 </file>
 
-<file path=ppt/slides/slide9.xml><?xml version="1.0" encoding="utf-8"?>
+<file path=ppt/slides/slide8.xml><?xml version="1.0" encoding="utf-8"?>
 <p:sld xmlns:a="http://schemas.openxmlformats.org/drawingml/2006/main" xmlns:r="http://schemas.openxmlformats.org/officeDocument/2006/relationships" xmlns:p="http://schemas.openxmlformats.org/presentationml/2006/main">
   <p:cSld>
     <p:spTree>
@@ -9496,6 +9041,188 @@
     <p:extLst>
       <p:ext uri="{BB962C8B-B14F-4D97-AF65-F5344CB8AC3E}">
         <p14:creationId xmlns:p14="http://schemas.microsoft.com/office/powerpoint/2010/main" val="2190325202"/>
+      </p:ext>
+    </p:extLst>
+  </p:cSld>
+  <p:clrMapOvr>
+    <a:masterClrMapping/>
+  </p:clrMapOvr>
+</p:sld>
+</file>
+
+<file path=ppt/slides/slide9.xml><?xml version="1.0" encoding="utf-8"?>
+<p:sld xmlns:a="http://schemas.openxmlformats.org/drawingml/2006/main" xmlns:r="http://schemas.openxmlformats.org/officeDocument/2006/relationships" xmlns:p="http://schemas.openxmlformats.org/presentationml/2006/main">
+  <p:cSld>
+    <p:spTree>
+      <p:nvGrpSpPr>
+        <p:cNvPr id="1" name=""/>
+        <p:cNvGrpSpPr/>
+        <p:nvPr/>
+      </p:nvGrpSpPr>
+      <p:grpSpPr>
+        <a:xfrm>
+          <a:off x="0" y="0"/>
+          <a:ext cx="0" cy="0"/>
+          <a:chOff x="0" y="0"/>
+          <a:chExt cx="0" cy="0"/>
+        </a:xfrm>
+      </p:grpSpPr>
+      <p:sp>
+        <p:nvSpPr>
+          <p:cNvPr id="2" name="Título 1">
+            <a:extLst>
+              <a:ext uri="{FF2B5EF4-FFF2-40B4-BE49-F238E27FC236}">
+                <a16:creationId xmlns:a16="http://schemas.microsoft.com/office/drawing/2014/main" id="{84B94C6B-EDC7-4DBB-97AB-AE41EE20E9DA}"/>
+              </a:ext>
+            </a:extLst>
+          </p:cNvPr>
+          <p:cNvSpPr>
+            <a:spLocks noGrp="1"/>
+          </p:cNvSpPr>
+          <p:nvPr>
+            <p:ph type="title"/>
+          </p:nvPr>
+        </p:nvSpPr>
+        <p:spPr/>
+        <p:txBody>
+          <a:bodyPr/>
+          <a:lstStyle/>
+          <a:p>
+            <a:r>
+              <a:rPr lang="pt-BR" dirty="0"/>
+              <a:t>Busca caminho mínimo:</a:t>
+            </a:r>
+          </a:p>
+        </p:txBody>
+      </p:sp>
+      <p:sp>
+        <p:nvSpPr>
+          <p:cNvPr id="3" name="Espaço Reservado para Conteúdo 2">
+            <a:extLst>
+              <a:ext uri="{FF2B5EF4-FFF2-40B4-BE49-F238E27FC236}">
+                <a16:creationId xmlns:a16="http://schemas.microsoft.com/office/drawing/2014/main" id="{F33A64C9-3E88-41CC-9ADE-094357E350B9}"/>
+              </a:ext>
+            </a:extLst>
+          </p:cNvPr>
+          <p:cNvSpPr>
+            <a:spLocks noGrp="1"/>
+          </p:cNvSpPr>
+          <p:nvPr>
+            <p:ph idx="1"/>
+          </p:nvPr>
+        </p:nvSpPr>
+        <p:spPr>
+          <a:xfrm>
+            <a:off x="534573" y="2015732"/>
+            <a:ext cx="4965896" cy="3450613"/>
+          </a:xfrm>
+        </p:spPr>
+        <p:txBody>
+          <a:bodyPr>
+            <a:normAutofit/>
+          </a:bodyPr>
+          <a:lstStyle/>
+          <a:p>
+            <a:r>
+              <a:rPr lang="pt-BR" dirty="0">
+                <a:latin typeface="Arial" panose="020B0604020202020204" pitchFamily="34" charset="0"/>
+                <a:cs typeface="Arial" panose="020B0604020202020204" pitchFamily="34" charset="0"/>
+              </a:rPr>
+              <a:t>Estado Atual: Grafo Residual</a:t>
+            </a:r>
+          </a:p>
+          <a:p>
+            <a:r>
+              <a:rPr lang="pt-BR" dirty="0" err="1">
+                <a:latin typeface="Arial" panose="020B0604020202020204" pitchFamily="34" charset="0"/>
+                <a:cs typeface="Arial" panose="020B0604020202020204" pitchFamily="34" charset="0"/>
+              </a:rPr>
+              <a:t>fluxo_maximo</a:t>
+            </a:r>
+            <a:r>
+              <a:rPr lang="pt-BR" dirty="0">
+                <a:latin typeface="Arial" panose="020B0604020202020204" pitchFamily="34" charset="0"/>
+                <a:cs typeface="Arial" panose="020B0604020202020204" pitchFamily="34" charset="0"/>
+              </a:rPr>
+              <a:t> = 0</a:t>
+            </a:r>
+          </a:p>
+          <a:p>
+            <a:r>
+              <a:rPr lang="pt-BR" dirty="0" err="1">
+                <a:latin typeface="Arial" panose="020B0604020202020204" pitchFamily="34" charset="0"/>
+                <a:cs typeface="Arial" panose="020B0604020202020204" pitchFamily="34" charset="0"/>
+              </a:rPr>
+              <a:t>fluxo_caminho</a:t>
+            </a:r>
+            <a:r>
+              <a:rPr lang="pt-BR" dirty="0">
+                <a:latin typeface="Arial" panose="020B0604020202020204" pitchFamily="34" charset="0"/>
+                <a:cs typeface="Arial" panose="020B0604020202020204" pitchFamily="34" charset="0"/>
+              </a:rPr>
+              <a:t> = 7</a:t>
+            </a:r>
+          </a:p>
+          <a:p>
+            <a:r>
+              <a:rPr lang="pt-BR" dirty="0">
+                <a:latin typeface="Arial" panose="020B0604020202020204" pitchFamily="34" charset="0"/>
+                <a:cs typeface="Arial" panose="020B0604020202020204" pitchFamily="34" charset="0"/>
+              </a:rPr>
+              <a:t>π = [-1,0,0,0,1,1,2,6]</a:t>
+            </a:r>
+          </a:p>
+          <a:p>
+            <a:pPr marL="0" indent="0">
+              <a:buNone/>
+            </a:pPr>
+            <a:endParaRPr lang="pt-BR" dirty="0">
+              <a:latin typeface="Arial" panose="020B0604020202020204" pitchFamily="34" charset="0"/>
+              <a:cs typeface="Arial" panose="020B0604020202020204" pitchFamily="34" charset="0"/>
+            </a:endParaRPr>
+          </a:p>
+        </p:txBody>
+      </p:sp>
+      <p:pic>
+        <p:nvPicPr>
+          <p:cNvPr id="9" name="Imagem 8">
+            <a:extLst>
+              <a:ext uri="{FF2B5EF4-FFF2-40B4-BE49-F238E27FC236}">
+                <a16:creationId xmlns:a16="http://schemas.microsoft.com/office/drawing/2014/main" id="{BF07E3CB-2D52-4D4E-A775-5D71923866E8}"/>
+              </a:ext>
+            </a:extLst>
+          </p:cNvPr>
+          <p:cNvPicPr>
+            <a:picLocks noChangeAspect="1"/>
+          </p:cNvPicPr>
+          <p:nvPr/>
+        </p:nvPicPr>
+        <p:blipFill>
+          <a:blip r:embed="rId2">
+            <a:extLst>
+              <a:ext uri="{28A0092B-C50C-407E-A947-70E740481C1C}">
+                <a14:useLocalDpi xmlns:a14="http://schemas.microsoft.com/office/drawing/2010/main" val="0"/>
+              </a:ext>
+            </a:extLst>
+          </a:blip>
+          <a:stretch>
+            <a:fillRect/>
+          </a:stretch>
+        </p:blipFill>
+        <p:spPr>
+          <a:xfrm>
+            <a:off x="5753686" y="1853754"/>
+            <a:ext cx="6438314" cy="4237181"/>
+          </a:xfrm>
+          <a:prstGeom prst="rect">
+            <a:avLst/>
+          </a:prstGeom>
+        </p:spPr>
+      </p:pic>
+    </p:spTree>
+    <p:extLst>
+      <p:ext uri="{BB962C8B-B14F-4D97-AF65-F5344CB8AC3E}">
+        <p14:creationId xmlns:p14="http://schemas.microsoft.com/office/powerpoint/2010/main" val="2831780984"/>
       </p:ext>
     </p:extLst>
   </p:cSld>
